--- a/english/presentations/BenefitsOfAColdShower.pptx
+++ b/english/presentations/BenefitsOfAColdShower.pptx
@@ -6,8 +6,9 @@
   </p:sldMasterIdLst>
   <p:sldIdLst>
     <p:sldId id="256" r:id="rId2"/>
-    <p:sldId id="257" r:id="rId3"/>
-    <p:sldId id="258" r:id="rId4"/>
+    <p:sldId id="258" r:id="rId3"/>
+    <p:sldId id="257" r:id="rId4"/>
+    <p:sldId id="259" r:id="rId5"/>
   </p:sldIdLst>
   <p:sldSz cx="12192000" cy="6858000"/>
   <p:notesSz cx="6858000" cy="9144000"/>
@@ -106,6 +107,11 @@
       </a:defRPr>
     </a:lvl9pPr>
   </p:defaultTextStyle>
+  <p:extLst>
+    <p:ext uri="{EFAFB233-063F-42B5-8137-9DF3F51BA10A}">
+      <p15:sldGuideLst xmlns:p15="http://schemas.microsoft.com/office/powerpoint/2012/main"/>
+    </p:ext>
+  </p:extLst>
 </p:presentation>
 </file>
 
@@ -1775,7 +1781,7 @@
           <a:p>
             <a:fld id="{8F72BA41-EC5B-4197-BCC8-0FD2E523CD7A}" type="datetimeFigureOut">
               <a:rPr lang="en-US" smtClean="0"/>
-              <a:t>6/21/2023</a:t>
+              <a:t>6/22/2023</a:t>
             </a:fld>
             <a:endParaRPr lang="en-US"/>
           </a:p>
@@ -1978,7 +1984,7 @@
           <a:p>
             <a:fld id="{8F72BA41-EC5B-4197-BCC8-0FD2E523CD7A}" type="datetimeFigureOut">
               <a:rPr lang="en-US" smtClean="0"/>
-              <a:t>6/21/2023</a:t>
+              <a:t>6/22/2023</a:t>
             </a:fld>
             <a:endParaRPr lang="en-US"/>
           </a:p>
@@ -3699,7 +3705,7 @@
           <a:p>
             <a:fld id="{8F72BA41-EC5B-4197-BCC8-0FD2E523CD7A}" type="datetimeFigureOut">
               <a:rPr lang="en-US" smtClean="0"/>
-              <a:t>6/21/2023</a:t>
+              <a:t>6/22/2023</a:t>
             </a:fld>
             <a:endParaRPr lang="en-US"/>
           </a:p>
@@ -3898,7 +3904,7 @@
           <a:p>
             <a:fld id="{8F72BA41-EC5B-4197-BCC8-0FD2E523CD7A}" type="datetimeFigureOut">
               <a:rPr lang="en-US" smtClean="0"/>
-              <a:t>6/21/2023</a:t>
+              <a:t>6/22/2023</a:t>
             </a:fld>
             <a:endParaRPr lang="en-US"/>
           </a:p>
@@ -5688,7 +5694,7 @@
           <a:p>
             <a:fld id="{8F72BA41-EC5B-4197-BCC8-0FD2E523CD7A}" type="datetimeFigureOut">
               <a:rPr lang="en-US" smtClean="0"/>
-              <a:t>6/21/2023</a:t>
+              <a:t>6/22/2023</a:t>
             </a:fld>
             <a:endParaRPr lang="en-US"/>
           </a:p>
@@ -5961,7 +5967,7 @@
           <a:p>
             <a:fld id="{8F72BA41-EC5B-4197-BCC8-0FD2E523CD7A}" type="datetimeFigureOut">
               <a:rPr lang="en-US" smtClean="0"/>
-              <a:t>6/21/2023</a:t>
+              <a:t>6/22/2023</a:t>
             </a:fld>
             <a:endParaRPr lang="en-US"/>
           </a:p>
@@ -6381,7 +6387,7 @@
           <a:p>
             <a:fld id="{8F72BA41-EC5B-4197-BCC8-0FD2E523CD7A}" type="datetimeFigureOut">
               <a:rPr lang="en-US" smtClean="0"/>
-              <a:t>6/21/2023</a:t>
+              <a:t>6/22/2023</a:t>
             </a:fld>
             <a:endParaRPr lang="en-US"/>
           </a:p>
@@ -6537,7 +6543,7 @@
           <a:p>
             <a:fld id="{8F72BA41-EC5B-4197-BCC8-0FD2E523CD7A}" type="datetimeFigureOut">
               <a:rPr lang="en-US" smtClean="0"/>
-              <a:t>6/21/2023</a:t>
+              <a:t>6/22/2023</a:t>
             </a:fld>
             <a:endParaRPr lang="en-US"/>
           </a:p>
@@ -8105,7 +8111,7 @@
           <a:p>
             <a:fld id="{8F72BA41-EC5B-4197-BCC8-0FD2E523CD7A}" type="datetimeFigureOut">
               <a:rPr lang="en-US" smtClean="0"/>
-              <a:t>6/21/2023</a:t>
+              <a:t>6/22/2023</a:t>
             </a:fld>
             <a:endParaRPr lang="en-US"/>
           </a:p>
@@ -9956,7 +9962,7 @@
           <a:p>
             <a:fld id="{8F72BA41-EC5B-4197-BCC8-0FD2E523CD7A}" type="datetimeFigureOut">
               <a:rPr lang="en-US" smtClean="0"/>
-              <a:t>6/21/2023</a:t>
+              <a:t>6/22/2023</a:t>
             </a:fld>
             <a:endParaRPr lang="en-US"/>
           </a:p>
@@ -11769,7 +11775,7 @@
           <a:p>
             <a:fld id="{8F72BA41-EC5B-4197-BCC8-0FD2E523CD7A}" type="datetimeFigureOut">
               <a:rPr lang="en-US" smtClean="0"/>
-              <a:t>6/21/2023</a:t>
+              <a:t>6/22/2023</a:t>
             </a:fld>
             <a:endParaRPr lang="en-US"/>
           </a:p>
@@ -13463,7 +13469,7 @@
             <a:fld id="{8F72BA41-EC5B-4197-BCC8-0FD2E523CD7A}" type="datetimeFigureOut">
               <a:rPr lang="en-US" smtClean="0"/>
               <a:pPr/>
-              <a:t>6/21/2023</a:t>
+              <a:t>6/22/2023</a:t>
             </a:fld>
             <a:endParaRPr lang="en-US" dirty="0"/>
           </a:p>
@@ -15850,7 +15856,7 @@
           </a:bodyPr>
           <a:lstStyle/>
           <a:p>
-            <a:endParaRPr lang="de-CH"/>
+            <a:endParaRPr lang="de-CH" dirty="0"/>
           </a:p>
         </p:txBody>
       </p:sp>
@@ -16098,2066 +16104,6 @@
 <file path=ppt/slides/slide2.xml><?xml version="1.0" encoding="utf-8"?>
 <p:sld xmlns:a="http://schemas.openxmlformats.org/drawingml/2006/main" xmlns:r="http://schemas.openxmlformats.org/officeDocument/2006/relationships" xmlns:p="http://schemas.openxmlformats.org/presentationml/2006/main">
   <p:cSld>
-    <p:bg>
-      <p:bgPr>
-        <a:solidFill>
-          <a:schemeClr val="bg1"/>
-        </a:solidFill>
-        <a:effectLst/>
-      </p:bgPr>
-    </p:bg>
-    <p:spTree>
-      <p:nvGrpSpPr>
-        <p:cNvPr id="1" name=""/>
-        <p:cNvGrpSpPr/>
-        <p:nvPr/>
-      </p:nvGrpSpPr>
-      <p:grpSpPr>
-        <a:xfrm>
-          <a:off x="0" y="0"/>
-          <a:ext cx="0" cy="0"/>
-          <a:chOff x="0" y="0"/>
-          <a:chExt cx="0" cy="0"/>
-        </a:xfrm>
-      </p:grpSpPr>
-      <p:sp useBgFill="1">
-        <p:nvSpPr>
-          <p:cNvPr id="9" name="Rectangle 8">
-            <a:extLst>
-              <a:ext uri="{FF2B5EF4-FFF2-40B4-BE49-F238E27FC236}">
-                <a16:creationId xmlns:a16="http://schemas.microsoft.com/office/drawing/2014/main" id="{1C582B07-D0F0-4B6B-A5D9-D2F192CB3A4E}"/>
-              </a:ext>
-              <a:ext uri="{C183D7F6-B498-43B3-948B-1728B52AA6E4}">
-                <adec:decorative xmlns:adec="http://schemas.microsoft.com/office/drawing/2017/decorative" val="1"/>
-              </a:ext>
-            </a:extLst>
-          </p:cNvPr>
-          <p:cNvSpPr>
-            <a:spLocks noGrp="1" noRot="1" noChangeAspect="1" noMove="1" noResize="1" noEditPoints="1" noAdjustHandles="1" noChangeArrowheads="1" noChangeShapeType="1" noTextEdit="1"/>
-          </p:cNvSpPr>
-          <p:nvPr>
-            <p:extLst>
-              <p:ext uri="{386F3935-93C4-4BCD-93E2-E3B085C9AB24}">
-                <p16:designElem xmlns:p16="http://schemas.microsoft.com/office/powerpoint/2015/main" val="1"/>
-              </p:ext>
-            </p:extLst>
-          </p:nvPr>
-        </p:nvSpPr>
-        <p:spPr>
-          <a:xfrm>
-            <a:off x="0" y="0"/>
-            <a:ext cx="12188952" cy="6858000"/>
-          </a:xfrm>
-          <a:prstGeom prst="rect">
-            <a:avLst/>
-          </a:prstGeom>
-          <a:ln>
-            <a:noFill/>
-          </a:ln>
-        </p:spPr>
-        <p:style>
-          <a:lnRef idx="2">
-            <a:schemeClr val="accent1">
-              <a:shade val="50000"/>
-            </a:schemeClr>
-          </a:lnRef>
-          <a:fillRef idx="1">
-            <a:schemeClr val="accent1"/>
-          </a:fillRef>
-          <a:effectRef idx="0">
-            <a:schemeClr val="accent1"/>
-          </a:effectRef>
-          <a:fontRef idx="minor">
-            <a:schemeClr val="lt1"/>
-          </a:fontRef>
-        </p:style>
-        <p:txBody>
-          <a:bodyPr rtlCol="0" anchor="ctr"/>
-          <a:lstStyle/>
-          <a:p>
-            <a:pPr algn="ctr"/>
-            <a:endParaRPr lang="en-US">
-              <a:solidFill>
-                <a:schemeClr val="bg1"/>
-              </a:solidFill>
-            </a:endParaRPr>
-          </a:p>
-        </p:txBody>
-      </p:sp>
-      <p:grpSp>
-        <p:nvGrpSpPr>
-          <p:cNvPr id="11" name="Group 10">
-            <a:extLst>
-              <a:ext uri="{FF2B5EF4-FFF2-40B4-BE49-F238E27FC236}">
-                <a16:creationId xmlns:a16="http://schemas.microsoft.com/office/drawing/2014/main" id="{4D431671-5191-4947-8899-E90505A70426}"/>
-              </a:ext>
-              <a:ext uri="{C183D7F6-B498-43B3-948B-1728B52AA6E4}">
-                <adec:decorative xmlns:adec="http://schemas.microsoft.com/office/drawing/2017/decorative" val="1"/>
-              </a:ext>
-            </a:extLst>
-          </p:cNvPr>
-          <p:cNvGrpSpPr>
-            <a:grpSpLocks noGrp="1" noUngrp="1" noRot="1" noChangeAspect="1" noMove="1" noResize="1"/>
-          </p:cNvGrpSpPr>
-          <p:nvPr>
-            <p:extLst>
-              <p:ext uri="{386F3935-93C4-4BCD-93E2-E3B085C9AB24}">
-                <p16:designElem xmlns:p16="http://schemas.microsoft.com/office/powerpoint/2015/main" val="1"/>
-              </p:ext>
-            </p:extLst>
-          </p:nvPr>
-        </p:nvGrpSpPr>
-        <p:grpSpPr>
-          <a:xfrm>
-            <a:off x="-6214" y="-1"/>
-            <a:ext cx="12214827" cy="6858000"/>
-            <a:chOff x="-6214" y="-1"/>
-            <a:chExt cx="12214827" cy="6858000"/>
-          </a:xfrm>
-        </p:grpSpPr>
-        <p:cxnSp>
-          <p:nvCxnSpPr>
-            <p:cNvPr id="12" name="Straight Connector 11">
-              <a:extLst>
-                <a:ext uri="{FF2B5EF4-FFF2-40B4-BE49-F238E27FC236}">
-                  <a16:creationId xmlns:a16="http://schemas.microsoft.com/office/drawing/2014/main" id="{877D2E98-ED65-4121-9DA5-6DBB831D0FB2}"/>
-                </a:ext>
-                <a:ext uri="{C183D7F6-B498-43B3-948B-1728B52AA6E4}">
-                  <adec:decorative xmlns:adec="http://schemas.microsoft.com/office/drawing/2017/decorative" val="1"/>
-                </a:ext>
-              </a:extLst>
-            </p:cNvPr>
-            <p:cNvCxnSpPr>
-              <a:cxnSpLocks/>
-            </p:cNvCxnSpPr>
-            <p:nvPr>
-              <p:extLst>
-                <p:ext uri="{386F3935-93C4-4BCD-93E2-E3B085C9AB24}">
-                  <p16:designElem xmlns:p16="http://schemas.microsoft.com/office/powerpoint/2015/main" val="1"/>
-                </p:ext>
-              </p:extLst>
-            </p:nvPr>
-          </p:nvCxnSpPr>
-          <p:spPr>
-            <a:xfrm>
-              <a:off x="-6214" y="6686283"/>
-              <a:ext cx="12192000" cy="0"/>
-            </a:xfrm>
-            <a:prstGeom prst="line">
-              <a:avLst/>
-            </a:prstGeom>
-            <a:ln w="12700">
-              <a:solidFill>
-                <a:srgbClr val="BCBCBC">
-                  <a:alpha val="29804"/>
-                </a:srgbClr>
-              </a:solidFill>
-              <a:prstDash val="sysDot"/>
-            </a:ln>
-          </p:spPr>
-          <p:style>
-            <a:lnRef idx="1">
-              <a:schemeClr val="accent1"/>
-            </a:lnRef>
-            <a:fillRef idx="0">
-              <a:schemeClr val="accent1"/>
-            </a:fillRef>
-            <a:effectRef idx="0">
-              <a:schemeClr val="accent1"/>
-            </a:effectRef>
-            <a:fontRef idx="minor">
-              <a:schemeClr val="tx1"/>
-            </a:fontRef>
-          </p:style>
-        </p:cxnSp>
-        <p:cxnSp>
-          <p:nvCxnSpPr>
-            <p:cNvPr id="13" name="Straight Connector 12">
-              <a:extLst>
-                <a:ext uri="{FF2B5EF4-FFF2-40B4-BE49-F238E27FC236}">
-                  <a16:creationId xmlns:a16="http://schemas.microsoft.com/office/drawing/2014/main" id="{DA94A307-5B5D-4E42-95B3-064D5093ADE5}"/>
-                </a:ext>
-                <a:ext uri="{C183D7F6-B498-43B3-948B-1728B52AA6E4}">
-                  <adec:decorative xmlns:adec="http://schemas.microsoft.com/office/drawing/2017/decorative" val="1"/>
-                </a:ext>
-              </a:extLst>
-            </p:cNvPr>
-            <p:cNvCxnSpPr>
-              <a:cxnSpLocks/>
-            </p:cNvCxnSpPr>
-            <p:nvPr>
-              <p:extLst>
-                <p:ext uri="{386F3935-93C4-4BCD-93E2-E3B085C9AB24}">
-                  <p16:designElem xmlns:p16="http://schemas.microsoft.com/office/powerpoint/2015/main" val="1"/>
-                </p:ext>
-              </p:extLst>
-            </p:nvPr>
-          </p:nvCxnSpPr>
-          <p:spPr>
-            <a:xfrm>
-              <a:off x="0" y="-1"/>
-              <a:ext cx="0" cy="6858000"/>
-            </a:xfrm>
-            <a:prstGeom prst="line">
-              <a:avLst/>
-            </a:prstGeom>
-            <a:ln w="12700">
-              <a:solidFill>
-                <a:srgbClr val="BCBCBC">
-                  <a:alpha val="29804"/>
-                </a:srgbClr>
-              </a:solidFill>
-              <a:prstDash val="sysDot"/>
-            </a:ln>
-          </p:spPr>
-          <p:style>
-            <a:lnRef idx="1">
-              <a:schemeClr val="accent1"/>
-            </a:lnRef>
-            <a:fillRef idx="0">
-              <a:schemeClr val="accent1"/>
-            </a:fillRef>
-            <a:effectRef idx="0">
-              <a:schemeClr val="accent1"/>
-            </a:effectRef>
-            <a:fontRef idx="minor">
-              <a:schemeClr val="tx1"/>
-            </a:fontRef>
-          </p:style>
-        </p:cxnSp>
-        <p:cxnSp>
-          <p:nvCxnSpPr>
-            <p:cNvPr id="14" name="Straight Connector 13">
-              <a:extLst>
-                <a:ext uri="{FF2B5EF4-FFF2-40B4-BE49-F238E27FC236}">
-                  <a16:creationId xmlns:a16="http://schemas.microsoft.com/office/drawing/2014/main" id="{8CB3B32C-3BDA-4D41-9802-681B0599FD3C}"/>
-                </a:ext>
-                <a:ext uri="{C183D7F6-B498-43B3-948B-1728B52AA6E4}">
-                  <adec:decorative xmlns:adec="http://schemas.microsoft.com/office/drawing/2017/decorative" val="1"/>
-                </a:ext>
-              </a:extLst>
-            </p:cNvPr>
-            <p:cNvCxnSpPr>
-              <a:cxnSpLocks/>
-            </p:cNvCxnSpPr>
-            <p:nvPr>
-              <p:extLst>
-                <p:ext uri="{386F3935-93C4-4BCD-93E2-E3B085C9AB24}">
-                  <p16:designElem xmlns:p16="http://schemas.microsoft.com/office/powerpoint/2015/main" val="1"/>
-                </p:ext>
-              </p:extLst>
-            </p:nvPr>
-          </p:nvCxnSpPr>
-          <p:spPr>
-            <a:xfrm>
-              <a:off x="11993258" y="-1"/>
-              <a:ext cx="0" cy="6858000"/>
-            </a:xfrm>
-            <a:prstGeom prst="line">
-              <a:avLst/>
-            </a:prstGeom>
-            <a:ln w="12700">
-              <a:solidFill>
-                <a:srgbClr val="BCBCBC">
-                  <a:alpha val="29804"/>
-                </a:srgbClr>
-              </a:solidFill>
-              <a:prstDash val="sysDot"/>
-            </a:ln>
-          </p:spPr>
-          <p:style>
-            <a:lnRef idx="1">
-              <a:schemeClr val="accent1"/>
-            </a:lnRef>
-            <a:fillRef idx="0">
-              <a:schemeClr val="accent1"/>
-            </a:fillRef>
-            <a:effectRef idx="0">
-              <a:schemeClr val="accent1"/>
-            </a:effectRef>
-            <a:fontRef idx="minor">
-              <a:schemeClr val="tx1"/>
-            </a:fontRef>
-          </p:style>
-        </p:cxnSp>
-        <p:cxnSp>
-          <p:nvCxnSpPr>
-            <p:cNvPr id="15" name="Straight Connector 14">
-              <a:extLst>
-                <a:ext uri="{FF2B5EF4-FFF2-40B4-BE49-F238E27FC236}">
-                  <a16:creationId xmlns:a16="http://schemas.microsoft.com/office/drawing/2014/main" id="{35BDBFD6-7C61-4520-8203-BAB1986C158C}"/>
-                </a:ext>
-                <a:ext uri="{C183D7F6-B498-43B3-948B-1728B52AA6E4}">
-                  <adec:decorative xmlns:adec="http://schemas.microsoft.com/office/drawing/2017/decorative" val="1"/>
-                </a:ext>
-              </a:extLst>
-            </p:cNvPr>
-            <p:cNvCxnSpPr>
-              <a:cxnSpLocks/>
-            </p:cNvCxnSpPr>
-            <p:nvPr>
-              <p:extLst>
-                <p:ext uri="{386F3935-93C4-4BCD-93E2-E3B085C9AB24}">
-                  <p16:designElem xmlns:p16="http://schemas.microsoft.com/office/powerpoint/2015/main" val="1"/>
-                </p:ext>
-              </p:extLst>
-            </p:nvPr>
-          </p:nvCxnSpPr>
-          <p:spPr>
-            <a:xfrm>
-              <a:off x="192528" y="-1"/>
-              <a:ext cx="0" cy="6858000"/>
-            </a:xfrm>
-            <a:prstGeom prst="line">
-              <a:avLst/>
-            </a:prstGeom>
-            <a:ln w="12700">
-              <a:solidFill>
-                <a:srgbClr val="BCBCBC">
-                  <a:alpha val="29804"/>
-                </a:srgbClr>
-              </a:solidFill>
-              <a:prstDash val="sysDot"/>
-            </a:ln>
-          </p:spPr>
-          <p:style>
-            <a:lnRef idx="1">
-              <a:schemeClr val="accent1"/>
-            </a:lnRef>
-            <a:fillRef idx="0">
-              <a:schemeClr val="accent1"/>
-            </a:fillRef>
-            <a:effectRef idx="0">
-              <a:schemeClr val="accent1"/>
-            </a:effectRef>
-            <a:fontRef idx="minor">
-              <a:schemeClr val="tx1"/>
-            </a:fontRef>
-          </p:style>
-        </p:cxnSp>
-        <p:cxnSp>
-          <p:nvCxnSpPr>
-            <p:cNvPr id="16" name="Straight Connector 15">
-              <a:extLst>
-                <a:ext uri="{FF2B5EF4-FFF2-40B4-BE49-F238E27FC236}">
-                  <a16:creationId xmlns:a16="http://schemas.microsoft.com/office/drawing/2014/main" id="{D4ABA4D7-9904-42C4-B0CD-B1CE2E0D3734}"/>
-                </a:ext>
-                <a:ext uri="{C183D7F6-B498-43B3-948B-1728B52AA6E4}">
-                  <adec:decorative xmlns:adec="http://schemas.microsoft.com/office/drawing/2017/decorative" val="1"/>
-                </a:ext>
-              </a:extLst>
-            </p:cNvPr>
-            <p:cNvCxnSpPr>
-              <a:cxnSpLocks/>
-            </p:cNvCxnSpPr>
-            <p:nvPr>
-              <p:extLst>
-                <p:ext uri="{386F3935-93C4-4BCD-93E2-E3B085C9AB24}">
-                  <p16:designElem xmlns:p16="http://schemas.microsoft.com/office/powerpoint/2015/main" val="1"/>
-                </p:ext>
-              </p:extLst>
-            </p:nvPr>
-          </p:nvCxnSpPr>
-          <p:spPr>
-            <a:xfrm>
-              <a:off x="1175922" y="-1"/>
-              <a:ext cx="0" cy="6858000"/>
-            </a:xfrm>
-            <a:prstGeom prst="line">
-              <a:avLst/>
-            </a:prstGeom>
-            <a:ln w="12700">
-              <a:solidFill>
-                <a:srgbClr val="BCBCBC">
-                  <a:alpha val="29804"/>
-                </a:srgbClr>
-              </a:solidFill>
-              <a:prstDash val="sysDot"/>
-            </a:ln>
-          </p:spPr>
-          <p:style>
-            <a:lnRef idx="1">
-              <a:schemeClr val="accent1"/>
-            </a:lnRef>
-            <a:fillRef idx="0">
-              <a:schemeClr val="accent1"/>
-            </a:fillRef>
-            <a:effectRef idx="0">
-              <a:schemeClr val="accent1"/>
-            </a:effectRef>
-            <a:fontRef idx="minor">
-              <a:schemeClr val="tx1"/>
-            </a:fontRef>
-          </p:style>
-        </p:cxnSp>
-        <p:cxnSp>
-          <p:nvCxnSpPr>
-            <p:cNvPr id="17" name="Straight Connector 16">
-              <a:extLst>
-                <a:ext uri="{FF2B5EF4-FFF2-40B4-BE49-F238E27FC236}">
-                  <a16:creationId xmlns:a16="http://schemas.microsoft.com/office/drawing/2014/main" id="{BB63F0D6-8747-4126-9359-B730EB21B79A}"/>
-                </a:ext>
-                <a:ext uri="{C183D7F6-B498-43B3-948B-1728B52AA6E4}">
-                  <adec:decorative xmlns:adec="http://schemas.microsoft.com/office/drawing/2017/decorative" val="1"/>
-                </a:ext>
-              </a:extLst>
-            </p:cNvPr>
-            <p:cNvCxnSpPr>
-              <a:cxnSpLocks/>
-            </p:cNvCxnSpPr>
-            <p:nvPr>
-              <p:extLst>
-                <p:ext uri="{386F3935-93C4-4BCD-93E2-E3B085C9AB24}">
-                  <p16:designElem xmlns:p16="http://schemas.microsoft.com/office/powerpoint/2015/main" val="1"/>
-                </p:ext>
-              </p:extLst>
-            </p:nvPr>
-          </p:nvCxnSpPr>
-          <p:spPr>
-            <a:xfrm>
-              <a:off x="2159316" y="-1"/>
-              <a:ext cx="0" cy="6858000"/>
-            </a:xfrm>
-            <a:prstGeom prst="line">
-              <a:avLst/>
-            </a:prstGeom>
-            <a:ln w="12700">
-              <a:solidFill>
-                <a:srgbClr val="BCBCBC">
-                  <a:alpha val="29804"/>
-                </a:srgbClr>
-              </a:solidFill>
-              <a:prstDash val="sysDot"/>
-            </a:ln>
-          </p:spPr>
-          <p:style>
-            <a:lnRef idx="1">
-              <a:schemeClr val="accent1"/>
-            </a:lnRef>
-            <a:fillRef idx="0">
-              <a:schemeClr val="accent1"/>
-            </a:fillRef>
-            <a:effectRef idx="0">
-              <a:schemeClr val="accent1"/>
-            </a:effectRef>
-            <a:fontRef idx="minor">
-              <a:schemeClr val="tx1"/>
-            </a:fontRef>
-          </p:style>
-        </p:cxnSp>
-        <p:cxnSp>
-          <p:nvCxnSpPr>
-            <p:cNvPr id="18" name="Straight Connector 17">
-              <a:extLst>
-                <a:ext uri="{FF2B5EF4-FFF2-40B4-BE49-F238E27FC236}">
-                  <a16:creationId xmlns:a16="http://schemas.microsoft.com/office/drawing/2014/main" id="{D91CD660-F5B2-49AC-9EFC-CE94B843B4DA}"/>
-                </a:ext>
-                <a:ext uri="{C183D7F6-B498-43B3-948B-1728B52AA6E4}">
-                  <adec:decorative xmlns:adec="http://schemas.microsoft.com/office/drawing/2017/decorative" val="1"/>
-                </a:ext>
-              </a:extLst>
-            </p:cNvPr>
-            <p:cNvCxnSpPr>
-              <a:cxnSpLocks/>
-            </p:cNvCxnSpPr>
-            <p:nvPr>
-              <p:extLst>
-                <p:ext uri="{386F3935-93C4-4BCD-93E2-E3B085C9AB24}">
-                  <p16:designElem xmlns:p16="http://schemas.microsoft.com/office/powerpoint/2015/main" val="1"/>
-                </p:ext>
-              </p:extLst>
-            </p:nvPr>
-          </p:nvCxnSpPr>
-          <p:spPr>
-            <a:xfrm>
-              <a:off x="3142710" y="-1"/>
-              <a:ext cx="0" cy="6858000"/>
-            </a:xfrm>
-            <a:prstGeom prst="line">
-              <a:avLst/>
-            </a:prstGeom>
-            <a:ln w="12700">
-              <a:solidFill>
-                <a:srgbClr val="BCBCBC">
-                  <a:alpha val="29804"/>
-                </a:srgbClr>
-              </a:solidFill>
-              <a:prstDash val="sysDot"/>
-            </a:ln>
-          </p:spPr>
-          <p:style>
-            <a:lnRef idx="1">
-              <a:schemeClr val="accent1"/>
-            </a:lnRef>
-            <a:fillRef idx="0">
-              <a:schemeClr val="accent1"/>
-            </a:fillRef>
-            <a:effectRef idx="0">
-              <a:schemeClr val="accent1"/>
-            </a:effectRef>
-            <a:fontRef idx="minor">
-              <a:schemeClr val="tx1"/>
-            </a:fontRef>
-          </p:style>
-        </p:cxnSp>
-        <p:cxnSp>
-          <p:nvCxnSpPr>
-            <p:cNvPr id="19" name="Straight Connector 18">
-              <a:extLst>
-                <a:ext uri="{FF2B5EF4-FFF2-40B4-BE49-F238E27FC236}">
-                  <a16:creationId xmlns:a16="http://schemas.microsoft.com/office/drawing/2014/main" id="{A4BEB7EB-8E7F-4A4B-8581-73CE2003F2F7}"/>
-                </a:ext>
-                <a:ext uri="{C183D7F6-B498-43B3-948B-1728B52AA6E4}">
-                  <adec:decorative xmlns:adec="http://schemas.microsoft.com/office/drawing/2017/decorative" val="1"/>
-                </a:ext>
-              </a:extLst>
-            </p:cNvPr>
-            <p:cNvCxnSpPr>
-              <a:cxnSpLocks/>
-            </p:cNvCxnSpPr>
-            <p:nvPr>
-              <p:extLst>
-                <p:ext uri="{386F3935-93C4-4BCD-93E2-E3B085C9AB24}">
-                  <p16:designElem xmlns:p16="http://schemas.microsoft.com/office/powerpoint/2015/main" val="1"/>
-                </p:ext>
-              </p:extLst>
-            </p:nvPr>
-          </p:nvCxnSpPr>
-          <p:spPr>
-            <a:xfrm>
-              <a:off x="4126104" y="-1"/>
-              <a:ext cx="0" cy="6858000"/>
-            </a:xfrm>
-            <a:prstGeom prst="line">
-              <a:avLst/>
-            </a:prstGeom>
-            <a:ln w="12700">
-              <a:solidFill>
-                <a:srgbClr val="BCBCBC">
-                  <a:alpha val="29804"/>
-                </a:srgbClr>
-              </a:solidFill>
-              <a:prstDash val="sysDot"/>
-            </a:ln>
-          </p:spPr>
-          <p:style>
-            <a:lnRef idx="1">
-              <a:schemeClr val="accent1"/>
-            </a:lnRef>
-            <a:fillRef idx="0">
-              <a:schemeClr val="accent1"/>
-            </a:fillRef>
-            <a:effectRef idx="0">
-              <a:schemeClr val="accent1"/>
-            </a:effectRef>
-            <a:fontRef idx="minor">
-              <a:schemeClr val="tx1"/>
-            </a:fontRef>
-          </p:style>
-        </p:cxnSp>
-        <p:cxnSp>
-          <p:nvCxnSpPr>
-            <p:cNvPr id="20" name="Straight Connector 19">
-              <a:extLst>
-                <a:ext uri="{FF2B5EF4-FFF2-40B4-BE49-F238E27FC236}">
-                  <a16:creationId xmlns:a16="http://schemas.microsoft.com/office/drawing/2014/main" id="{B04FB70E-6820-4456-872A-937F520606C5}"/>
-                </a:ext>
-                <a:ext uri="{C183D7F6-B498-43B3-948B-1728B52AA6E4}">
-                  <adec:decorative xmlns:adec="http://schemas.microsoft.com/office/drawing/2017/decorative" val="1"/>
-                </a:ext>
-              </a:extLst>
-            </p:cNvPr>
-            <p:cNvCxnSpPr>
-              <a:cxnSpLocks/>
-            </p:cNvCxnSpPr>
-            <p:nvPr>
-              <p:extLst>
-                <p:ext uri="{386F3935-93C4-4BCD-93E2-E3B085C9AB24}">
-                  <p16:designElem xmlns:p16="http://schemas.microsoft.com/office/powerpoint/2015/main" val="1"/>
-                </p:ext>
-              </p:extLst>
-            </p:nvPr>
-          </p:nvCxnSpPr>
-          <p:spPr>
-            <a:xfrm>
-              <a:off x="5109498" y="-1"/>
-              <a:ext cx="0" cy="6858000"/>
-            </a:xfrm>
-            <a:prstGeom prst="line">
-              <a:avLst/>
-            </a:prstGeom>
-            <a:ln w="12700">
-              <a:solidFill>
-                <a:srgbClr val="BCBCBC">
-                  <a:alpha val="29804"/>
-                </a:srgbClr>
-              </a:solidFill>
-              <a:prstDash val="sysDot"/>
-            </a:ln>
-          </p:spPr>
-          <p:style>
-            <a:lnRef idx="1">
-              <a:schemeClr val="accent1"/>
-            </a:lnRef>
-            <a:fillRef idx="0">
-              <a:schemeClr val="accent1"/>
-            </a:fillRef>
-            <a:effectRef idx="0">
-              <a:schemeClr val="accent1"/>
-            </a:effectRef>
-            <a:fontRef idx="minor">
-              <a:schemeClr val="tx1"/>
-            </a:fontRef>
-          </p:style>
-        </p:cxnSp>
-        <p:cxnSp>
-          <p:nvCxnSpPr>
-            <p:cNvPr id="21" name="Straight Connector 20">
-              <a:extLst>
-                <a:ext uri="{FF2B5EF4-FFF2-40B4-BE49-F238E27FC236}">
-                  <a16:creationId xmlns:a16="http://schemas.microsoft.com/office/drawing/2014/main" id="{E3598DD6-9887-4CF7-BAFE-F96E0324EB9E}"/>
-                </a:ext>
-                <a:ext uri="{C183D7F6-B498-43B3-948B-1728B52AA6E4}">
-                  <adec:decorative xmlns:adec="http://schemas.microsoft.com/office/drawing/2017/decorative" val="1"/>
-                </a:ext>
-              </a:extLst>
-            </p:cNvPr>
-            <p:cNvCxnSpPr>
-              <a:cxnSpLocks/>
-            </p:cNvCxnSpPr>
-            <p:nvPr>
-              <p:extLst>
-                <p:ext uri="{386F3935-93C4-4BCD-93E2-E3B085C9AB24}">
-                  <p16:designElem xmlns:p16="http://schemas.microsoft.com/office/powerpoint/2015/main" val="1"/>
-                </p:ext>
-              </p:extLst>
-            </p:nvPr>
-          </p:nvCxnSpPr>
-          <p:spPr>
-            <a:xfrm>
-              <a:off x="6092892" y="-1"/>
-              <a:ext cx="0" cy="6858000"/>
-            </a:xfrm>
-            <a:prstGeom prst="line">
-              <a:avLst/>
-            </a:prstGeom>
-            <a:ln w="12700">
-              <a:solidFill>
-                <a:srgbClr val="BCBCBC">
-                  <a:alpha val="29804"/>
-                </a:srgbClr>
-              </a:solidFill>
-              <a:prstDash val="sysDot"/>
-            </a:ln>
-          </p:spPr>
-          <p:style>
-            <a:lnRef idx="1">
-              <a:schemeClr val="accent1"/>
-            </a:lnRef>
-            <a:fillRef idx="0">
-              <a:schemeClr val="accent1"/>
-            </a:fillRef>
-            <a:effectRef idx="0">
-              <a:schemeClr val="accent1"/>
-            </a:effectRef>
-            <a:fontRef idx="minor">
-              <a:schemeClr val="tx1"/>
-            </a:fontRef>
-          </p:style>
-        </p:cxnSp>
-        <p:cxnSp>
-          <p:nvCxnSpPr>
-            <p:cNvPr id="22" name="Straight Connector 21">
-              <a:extLst>
-                <a:ext uri="{FF2B5EF4-FFF2-40B4-BE49-F238E27FC236}">
-                  <a16:creationId xmlns:a16="http://schemas.microsoft.com/office/drawing/2014/main" id="{AA503E64-565F-465B-A25C-042C5706C568}"/>
-                </a:ext>
-                <a:ext uri="{C183D7F6-B498-43B3-948B-1728B52AA6E4}">
-                  <adec:decorative xmlns:adec="http://schemas.microsoft.com/office/drawing/2017/decorative" val="1"/>
-                </a:ext>
-              </a:extLst>
-            </p:cNvPr>
-            <p:cNvCxnSpPr>
-              <a:cxnSpLocks/>
-            </p:cNvCxnSpPr>
-            <p:nvPr>
-              <p:extLst>
-                <p:ext uri="{386F3935-93C4-4BCD-93E2-E3B085C9AB24}">
-                  <p16:designElem xmlns:p16="http://schemas.microsoft.com/office/powerpoint/2015/main" val="1"/>
-                </p:ext>
-              </p:extLst>
-            </p:nvPr>
-          </p:nvCxnSpPr>
-          <p:spPr>
-            <a:xfrm>
-              <a:off x="7076286" y="-1"/>
-              <a:ext cx="0" cy="6858000"/>
-            </a:xfrm>
-            <a:prstGeom prst="line">
-              <a:avLst/>
-            </a:prstGeom>
-            <a:ln w="12700">
-              <a:solidFill>
-                <a:srgbClr val="BCBCBC">
-                  <a:alpha val="29804"/>
-                </a:srgbClr>
-              </a:solidFill>
-              <a:prstDash val="sysDot"/>
-            </a:ln>
-          </p:spPr>
-          <p:style>
-            <a:lnRef idx="1">
-              <a:schemeClr val="accent1"/>
-            </a:lnRef>
-            <a:fillRef idx="0">
-              <a:schemeClr val="accent1"/>
-            </a:fillRef>
-            <a:effectRef idx="0">
-              <a:schemeClr val="accent1"/>
-            </a:effectRef>
-            <a:fontRef idx="minor">
-              <a:schemeClr val="tx1"/>
-            </a:fontRef>
-          </p:style>
-        </p:cxnSp>
-        <p:cxnSp>
-          <p:nvCxnSpPr>
-            <p:cNvPr id="23" name="Straight Connector 22">
-              <a:extLst>
-                <a:ext uri="{FF2B5EF4-FFF2-40B4-BE49-F238E27FC236}">
-                  <a16:creationId xmlns:a16="http://schemas.microsoft.com/office/drawing/2014/main" id="{A140EE7B-5CA1-4DCB-8652-6E4D2147B0E7}"/>
-                </a:ext>
-                <a:ext uri="{C183D7F6-B498-43B3-948B-1728B52AA6E4}">
-                  <adec:decorative xmlns:adec="http://schemas.microsoft.com/office/drawing/2017/decorative" val="1"/>
-                </a:ext>
-              </a:extLst>
-            </p:cNvPr>
-            <p:cNvCxnSpPr>
-              <a:cxnSpLocks/>
-            </p:cNvCxnSpPr>
-            <p:nvPr>
-              <p:extLst>
-                <p:ext uri="{386F3935-93C4-4BCD-93E2-E3B085C9AB24}">
-                  <p16:designElem xmlns:p16="http://schemas.microsoft.com/office/powerpoint/2015/main" val="1"/>
-                </p:ext>
-              </p:extLst>
-            </p:nvPr>
-          </p:nvCxnSpPr>
-          <p:spPr>
-            <a:xfrm>
-              <a:off x="8059680" y="-1"/>
-              <a:ext cx="0" cy="6858000"/>
-            </a:xfrm>
-            <a:prstGeom prst="line">
-              <a:avLst/>
-            </a:prstGeom>
-            <a:ln w="12700">
-              <a:solidFill>
-                <a:srgbClr val="BCBCBC">
-                  <a:alpha val="29804"/>
-                </a:srgbClr>
-              </a:solidFill>
-              <a:prstDash val="sysDot"/>
-            </a:ln>
-          </p:spPr>
-          <p:style>
-            <a:lnRef idx="1">
-              <a:schemeClr val="accent1"/>
-            </a:lnRef>
-            <a:fillRef idx="0">
-              <a:schemeClr val="accent1"/>
-            </a:fillRef>
-            <a:effectRef idx="0">
-              <a:schemeClr val="accent1"/>
-            </a:effectRef>
-            <a:fontRef idx="minor">
-              <a:schemeClr val="tx1"/>
-            </a:fontRef>
-          </p:style>
-        </p:cxnSp>
-        <p:cxnSp>
-          <p:nvCxnSpPr>
-            <p:cNvPr id="24" name="Straight Connector 23">
-              <a:extLst>
-                <a:ext uri="{FF2B5EF4-FFF2-40B4-BE49-F238E27FC236}">
-                  <a16:creationId xmlns:a16="http://schemas.microsoft.com/office/drawing/2014/main" id="{F85077BE-700D-4C44-AA4D-7CF4E8FD71A9}"/>
-                </a:ext>
-                <a:ext uri="{C183D7F6-B498-43B3-948B-1728B52AA6E4}">
-                  <adec:decorative xmlns:adec="http://schemas.microsoft.com/office/drawing/2017/decorative" val="1"/>
-                </a:ext>
-              </a:extLst>
-            </p:cNvPr>
-            <p:cNvCxnSpPr>
-              <a:cxnSpLocks/>
-            </p:cNvCxnSpPr>
-            <p:nvPr>
-              <p:extLst>
-                <p:ext uri="{386F3935-93C4-4BCD-93E2-E3B085C9AB24}">
-                  <p16:designElem xmlns:p16="http://schemas.microsoft.com/office/powerpoint/2015/main" val="1"/>
-                </p:ext>
-              </p:extLst>
-            </p:nvPr>
-          </p:nvCxnSpPr>
-          <p:spPr>
-            <a:xfrm>
-              <a:off x="9043074" y="-1"/>
-              <a:ext cx="0" cy="6858000"/>
-            </a:xfrm>
-            <a:prstGeom prst="line">
-              <a:avLst/>
-            </a:prstGeom>
-            <a:ln w="12700">
-              <a:solidFill>
-                <a:srgbClr val="BCBCBC">
-                  <a:alpha val="29804"/>
-                </a:srgbClr>
-              </a:solidFill>
-              <a:prstDash val="sysDot"/>
-            </a:ln>
-          </p:spPr>
-          <p:style>
-            <a:lnRef idx="1">
-              <a:schemeClr val="accent1"/>
-            </a:lnRef>
-            <a:fillRef idx="0">
-              <a:schemeClr val="accent1"/>
-            </a:fillRef>
-            <a:effectRef idx="0">
-              <a:schemeClr val="accent1"/>
-            </a:effectRef>
-            <a:fontRef idx="minor">
-              <a:schemeClr val="tx1"/>
-            </a:fontRef>
-          </p:style>
-        </p:cxnSp>
-        <p:cxnSp>
-          <p:nvCxnSpPr>
-            <p:cNvPr id="25" name="Straight Connector 24">
-              <a:extLst>
-                <a:ext uri="{FF2B5EF4-FFF2-40B4-BE49-F238E27FC236}">
-                  <a16:creationId xmlns:a16="http://schemas.microsoft.com/office/drawing/2014/main" id="{FB8B3FEB-D353-443D-A148-3915606516D5}"/>
-                </a:ext>
-                <a:ext uri="{C183D7F6-B498-43B3-948B-1728B52AA6E4}">
-                  <adec:decorative xmlns:adec="http://schemas.microsoft.com/office/drawing/2017/decorative" val="1"/>
-                </a:ext>
-              </a:extLst>
-            </p:cNvPr>
-            <p:cNvCxnSpPr>
-              <a:cxnSpLocks/>
-            </p:cNvCxnSpPr>
-            <p:nvPr>
-              <p:extLst>
-                <p:ext uri="{386F3935-93C4-4BCD-93E2-E3B085C9AB24}">
-                  <p16:designElem xmlns:p16="http://schemas.microsoft.com/office/powerpoint/2015/main" val="1"/>
-                </p:ext>
-              </p:extLst>
-            </p:nvPr>
-          </p:nvCxnSpPr>
-          <p:spPr>
-            <a:xfrm>
-              <a:off x="10026468" y="-1"/>
-              <a:ext cx="0" cy="6858000"/>
-            </a:xfrm>
-            <a:prstGeom prst="line">
-              <a:avLst/>
-            </a:prstGeom>
-            <a:ln w="12700">
-              <a:solidFill>
-                <a:srgbClr val="BCBCBC">
-                  <a:alpha val="29804"/>
-                </a:srgbClr>
-              </a:solidFill>
-              <a:prstDash val="sysDot"/>
-            </a:ln>
-          </p:spPr>
-          <p:style>
-            <a:lnRef idx="1">
-              <a:schemeClr val="accent1"/>
-            </a:lnRef>
-            <a:fillRef idx="0">
-              <a:schemeClr val="accent1"/>
-            </a:fillRef>
-            <a:effectRef idx="0">
-              <a:schemeClr val="accent1"/>
-            </a:effectRef>
-            <a:fontRef idx="minor">
-              <a:schemeClr val="tx1"/>
-            </a:fontRef>
-          </p:style>
-        </p:cxnSp>
-        <p:cxnSp>
-          <p:nvCxnSpPr>
-            <p:cNvPr id="26" name="Straight Connector 25">
-              <a:extLst>
-                <a:ext uri="{FF2B5EF4-FFF2-40B4-BE49-F238E27FC236}">
-                  <a16:creationId xmlns:a16="http://schemas.microsoft.com/office/drawing/2014/main" id="{91FF5FBB-3BD8-46EB-BDF9-081B29A444BD}"/>
-                </a:ext>
-                <a:ext uri="{C183D7F6-B498-43B3-948B-1728B52AA6E4}">
-                  <adec:decorative xmlns:adec="http://schemas.microsoft.com/office/drawing/2017/decorative" val="1"/>
-                </a:ext>
-              </a:extLst>
-            </p:cNvPr>
-            <p:cNvCxnSpPr>
-              <a:cxnSpLocks/>
-            </p:cNvCxnSpPr>
-            <p:nvPr>
-              <p:extLst>
-                <p:ext uri="{386F3935-93C4-4BCD-93E2-E3B085C9AB24}">
-                  <p16:designElem xmlns:p16="http://schemas.microsoft.com/office/powerpoint/2015/main" val="1"/>
-                </p:ext>
-              </p:extLst>
-            </p:nvPr>
-          </p:nvCxnSpPr>
-          <p:spPr>
-            <a:xfrm>
-              <a:off x="11009862" y="-1"/>
-              <a:ext cx="0" cy="6858000"/>
-            </a:xfrm>
-            <a:prstGeom prst="line">
-              <a:avLst/>
-            </a:prstGeom>
-            <a:ln w="12700">
-              <a:solidFill>
-                <a:srgbClr val="BCBCBC">
-                  <a:alpha val="29804"/>
-                </a:srgbClr>
-              </a:solidFill>
-              <a:prstDash val="sysDot"/>
-            </a:ln>
-          </p:spPr>
-          <p:style>
-            <a:lnRef idx="1">
-              <a:schemeClr val="accent1"/>
-            </a:lnRef>
-            <a:fillRef idx="0">
-              <a:schemeClr val="accent1"/>
-            </a:fillRef>
-            <a:effectRef idx="0">
-              <a:schemeClr val="accent1"/>
-            </a:effectRef>
-            <a:fontRef idx="minor">
-              <a:schemeClr val="tx1"/>
-            </a:fontRef>
-          </p:style>
-        </p:cxnSp>
-        <p:cxnSp>
-          <p:nvCxnSpPr>
-            <p:cNvPr id="27" name="Straight Connector 26">
-              <a:extLst>
-                <a:ext uri="{FF2B5EF4-FFF2-40B4-BE49-F238E27FC236}">
-                  <a16:creationId xmlns:a16="http://schemas.microsoft.com/office/drawing/2014/main" id="{DC2E11FD-78A4-4F5C-A419-F0237DCAD274}"/>
-                </a:ext>
-                <a:ext uri="{C183D7F6-B498-43B3-948B-1728B52AA6E4}">
-                  <adec:decorative xmlns:adec="http://schemas.microsoft.com/office/drawing/2017/decorative" val="1"/>
-                </a:ext>
-              </a:extLst>
-            </p:cNvPr>
-            <p:cNvCxnSpPr>
-              <a:cxnSpLocks/>
-            </p:cNvCxnSpPr>
-            <p:nvPr>
-              <p:extLst>
-                <p:ext uri="{386F3935-93C4-4BCD-93E2-E3B085C9AB24}">
-                  <p16:designElem xmlns:p16="http://schemas.microsoft.com/office/powerpoint/2015/main" val="1"/>
-                </p:ext>
-              </p:extLst>
-            </p:nvPr>
-          </p:nvCxnSpPr>
-          <p:spPr>
-            <a:xfrm>
-              <a:off x="12185786" y="-1"/>
-              <a:ext cx="0" cy="6858000"/>
-            </a:xfrm>
-            <a:prstGeom prst="line">
-              <a:avLst/>
-            </a:prstGeom>
-            <a:ln w="12700">
-              <a:solidFill>
-                <a:srgbClr val="BCBCBC">
-                  <a:alpha val="29804"/>
-                </a:srgbClr>
-              </a:solidFill>
-              <a:prstDash val="sysDot"/>
-            </a:ln>
-          </p:spPr>
-          <p:style>
-            <a:lnRef idx="1">
-              <a:schemeClr val="accent1"/>
-            </a:lnRef>
-            <a:fillRef idx="0">
-              <a:schemeClr val="accent1"/>
-            </a:fillRef>
-            <a:effectRef idx="0">
-              <a:schemeClr val="accent1"/>
-            </a:effectRef>
-            <a:fontRef idx="minor">
-              <a:schemeClr val="tx1"/>
-            </a:fontRef>
-          </p:style>
-        </p:cxnSp>
-        <p:cxnSp>
-          <p:nvCxnSpPr>
-            <p:cNvPr id="28" name="Straight Connector 27">
-              <a:extLst>
-                <a:ext uri="{FF2B5EF4-FFF2-40B4-BE49-F238E27FC236}">
-                  <a16:creationId xmlns:a16="http://schemas.microsoft.com/office/drawing/2014/main" id="{9F708EBE-3154-4FF4-8E8F-88A076208068}"/>
-                </a:ext>
-                <a:ext uri="{C183D7F6-B498-43B3-948B-1728B52AA6E4}">
-                  <adec:decorative xmlns:adec="http://schemas.microsoft.com/office/drawing/2017/decorative" val="1"/>
-                </a:ext>
-              </a:extLst>
-            </p:cNvPr>
-            <p:cNvCxnSpPr>
-              <a:cxnSpLocks/>
-            </p:cNvCxnSpPr>
-            <p:nvPr>
-              <p:extLst>
-                <p:ext uri="{386F3935-93C4-4BCD-93E2-E3B085C9AB24}">
-                  <p16:designElem xmlns:p16="http://schemas.microsoft.com/office/powerpoint/2015/main" val="1"/>
-                </p:ext>
-              </p:extLst>
-            </p:nvPr>
-          </p:nvCxnSpPr>
-          <p:spPr>
-            <a:xfrm>
-              <a:off x="0" y="171716"/>
-              <a:ext cx="12192000" cy="0"/>
-            </a:xfrm>
-            <a:prstGeom prst="line">
-              <a:avLst/>
-            </a:prstGeom>
-            <a:ln w="12700">
-              <a:solidFill>
-                <a:srgbClr val="BCBCBC">
-                  <a:alpha val="29804"/>
-                </a:srgbClr>
-              </a:solidFill>
-              <a:prstDash val="sysDot"/>
-            </a:ln>
-          </p:spPr>
-          <p:style>
-            <a:lnRef idx="1">
-              <a:schemeClr val="accent1"/>
-            </a:lnRef>
-            <a:fillRef idx="0">
-              <a:schemeClr val="accent1"/>
-            </a:fillRef>
-            <a:effectRef idx="0">
-              <a:schemeClr val="accent1"/>
-            </a:effectRef>
-            <a:fontRef idx="minor">
-              <a:schemeClr val="tx1"/>
-            </a:fontRef>
-          </p:style>
-        </p:cxnSp>
-        <p:cxnSp>
-          <p:nvCxnSpPr>
-            <p:cNvPr id="29" name="Straight Connector 28">
-              <a:extLst>
-                <a:ext uri="{FF2B5EF4-FFF2-40B4-BE49-F238E27FC236}">
-                  <a16:creationId xmlns:a16="http://schemas.microsoft.com/office/drawing/2014/main" id="{27A99B5C-EB03-4D56-8DFE-B006D7081B61}"/>
-                </a:ext>
-                <a:ext uri="{C183D7F6-B498-43B3-948B-1728B52AA6E4}">
-                  <adec:decorative xmlns:adec="http://schemas.microsoft.com/office/drawing/2017/decorative" val="1"/>
-                </a:ext>
-              </a:extLst>
-            </p:cNvPr>
-            <p:cNvCxnSpPr>
-              <a:cxnSpLocks/>
-            </p:cNvCxnSpPr>
-            <p:nvPr>
-              <p:extLst>
-                <p:ext uri="{386F3935-93C4-4BCD-93E2-E3B085C9AB24}">
-                  <p16:designElem xmlns:p16="http://schemas.microsoft.com/office/powerpoint/2015/main" val="1"/>
-                </p:ext>
-              </p:extLst>
-            </p:nvPr>
-          </p:nvCxnSpPr>
-          <p:spPr>
-            <a:xfrm>
-              <a:off x="0" y="714597"/>
-              <a:ext cx="12192000" cy="0"/>
-            </a:xfrm>
-            <a:prstGeom prst="line">
-              <a:avLst/>
-            </a:prstGeom>
-            <a:ln w="12700">
-              <a:solidFill>
-                <a:srgbClr val="BCBCBC">
-                  <a:alpha val="29804"/>
-                </a:srgbClr>
-              </a:solidFill>
-              <a:prstDash val="sysDot"/>
-            </a:ln>
-          </p:spPr>
-          <p:style>
-            <a:lnRef idx="1">
-              <a:schemeClr val="accent1"/>
-            </a:lnRef>
-            <a:fillRef idx="0">
-              <a:schemeClr val="accent1"/>
-            </a:fillRef>
-            <a:effectRef idx="0">
-              <a:schemeClr val="accent1"/>
-            </a:effectRef>
-            <a:fontRef idx="minor">
-              <a:schemeClr val="tx1"/>
-            </a:fontRef>
-          </p:style>
-        </p:cxnSp>
-        <p:cxnSp>
-          <p:nvCxnSpPr>
-            <p:cNvPr id="30" name="Straight Connector 29">
-              <a:extLst>
-                <a:ext uri="{FF2B5EF4-FFF2-40B4-BE49-F238E27FC236}">
-                  <a16:creationId xmlns:a16="http://schemas.microsoft.com/office/drawing/2014/main" id="{2FCBAFF0-9FB4-4160-B9BE-CCBE1D8B8CBD}"/>
-                </a:ext>
-                <a:ext uri="{C183D7F6-B498-43B3-948B-1728B52AA6E4}">
-                  <adec:decorative xmlns:adec="http://schemas.microsoft.com/office/drawing/2017/decorative" val="1"/>
-                </a:ext>
-              </a:extLst>
-            </p:cNvPr>
-            <p:cNvCxnSpPr>
-              <a:cxnSpLocks/>
-            </p:cNvCxnSpPr>
-            <p:nvPr>
-              <p:extLst>
-                <p:ext uri="{386F3935-93C4-4BCD-93E2-E3B085C9AB24}">
-                  <p16:designElem xmlns:p16="http://schemas.microsoft.com/office/powerpoint/2015/main" val="1"/>
-                </p:ext>
-              </p:extLst>
-            </p:nvPr>
-          </p:nvCxnSpPr>
-          <p:spPr>
-            <a:xfrm>
-              <a:off x="0" y="1257478"/>
-              <a:ext cx="12192000" cy="0"/>
-            </a:xfrm>
-            <a:prstGeom prst="line">
-              <a:avLst/>
-            </a:prstGeom>
-            <a:ln w="12700">
-              <a:solidFill>
-                <a:srgbClr val="BCBCBC">
-                  <a:alpha val="29804"/>
-                </a:srgbClr>
-              </a:solidFill>
-              <a:prstDash val="sysDot"/>
-            </a:ln>
-          </p:spPr>
-          <p:style>
-            <a:lnRef idx="1">
-              <a:schemeClr val="accent1"/>
-            </a:lnRef>
-            <a:fillRef idx="0">
-              <a:schemeClr val="accent1"/>
-            </a:fillRef>
-            <a:effectRef idx="0">
-              <a:schemeClr val="accent1"/>
-            </a:effectRef>
-            <a:fontRef idx="minor">
-              <a:schemeClr val="tx1"/>
-            </a:fontRef>
-          </p:style>
-        </p:cxnSp>
-        <p:cxnSp>
-          <p:nvCxnSpPr>
-            <p:cNvPr id="31" name="Straight Connector 30">
-              <a:extLst>
-                <a:ext uri="{FF2B5EF4-FFF2-40B4-BE49-F238E27FC236}">
-                  <a16:creationId xmlns:a16="http://schemas.microsoft.com/office/drawing/2014/main" id="{326953D7-154A-49A4-B2E1-D94D365EC461}"/>
-                </a:ext>
-                <a:ext uri="{C183D7F6-B498-43B3-948B-1728B52AA6E4}">
-                  <adec:decorative xmlns:adec="http://schemas.microsoft.com/office/drawing/2017/decorative" val="1"/>
-                </a:ext>
-              </a:extLst>
-            </p:cNvPr>
-            <p:cNvCxnSpPr>
-              <a:cxnSpLocks/>
-            </p:cNvCxnSpPr>
-            <p:nvPr>
-              <p:extLst>
-                <p:ext uri="{386F3935-93C4-4BCD-93E2-E3B085C9AB24}">
-                  <p16:designElem xmlns:p16="http://schemas.microsoft.com/office/powerpoint/2015/main" val="1"/>
-                </p:ext>
-              </p:extLst>
-            </p:nvPr>
-          </p:nvCxnSpPr>
-          <p:spPr>
-            <a:xfrm>
-              <a:off x="0" y="1800359"/>
-              <a:ext cx="12192000" cy="0"/>
-            </a:xfrm>
-            <a:prstGeom prst="line">
-              <a:avLst/>
-            </a:prstGeom>
-            <a:ln w="12700">
-              <a:solidFill>
-                <a:srgbClr val="BCBCBC">
-                  <a:alpha val="29804"/>
-                </a:srgbClr>
-              </a:solidFill>
-              <a:prstDash val="sysDot"/>
-            </a:ln>
-          </p:spPr>
-          <p:style>
-            <a:lnRef idx="1">
-              <a:schemeClr val="accent1"/>
-            </a:lnRef>
-            <a:fillRef idx="0">
-              <a:schemeClr val="accent1"/>
-            </a:fillRef>
-            <a:effectRef idx="0">
-              <a:schemeClr val="accent1"/>
-            </a:effectRef>
-            <a:fontRef idx="minor">
-              <a:schemeClr val="tx1"/>
-            </a:fontRef>
-          </p:style>
-        </p:cxnSp>
-        <p:cxnSp>
-          <p:nvCxnSpPr>
-            <p:cNvPr id="32" name="Straight Connector 31">
-              <a:extLst>
-                <a:ext uri="{FF2B5EF4-FFF2-40B4-BE49-F238E27FC236}">
-                  <a16:creationId xmlns:a16="http://schemas.microsoft.com/office/drawing/2014/main" id="{836E3E12-5D96-48DB-8320-6294287740AC}"/>
-                </a:ext>
-                <a:ext uri="{C183D7F6-B498-43B3-948B-1728B52AA6E4}">
-                  <adec:decorative xmlns:adec="http://schemas.microsoft.com/office/drawing/2017/decorative" val="1"/>
-                </a:ext>
-              </a:extLst>
-            </p:cNvPr>
-            <p:cNvCxnSpPr>
-              <a:cxnSpLocks/>
-            </p:cNvCxnSpPr>
-            <p:nvPr>
-              <p:extLst>
-                <p:ext uri="{386F3935-93C4-4BCD-93E2-E3B085C9AB24}">
-                  <p16:designElem xmlns:p16="http://schemas.microsoft.com/office/powerpoint/2015/main" val="1"/>
-                </p:ext>
-              </p:extLst>
-            </p:nvPr>
-          </p:nvCxnSpPr>
-          <p:spPr>
-            <a:xfrm>
-              <a:off x="0" y="2343240"/>
-              <a:ext cx="12192000" cy="0"/>
-            </a:xfrm>
-            <a:prstGeom prst="line">
-              <a:avLst/>
-            </a:prstGeom>
-            <a:ln w="12700">
-              <a:solidFill>
-                <a:srgbClr val="BCBCBC">
-                  <a:alpha val="29804"/>
-                </a:srgbClr>
-              </a:solidFill>
-              <a:prstDash val="sysDot"/>
-            </a:ln>
-          </p:spPr>
-          <p:style>
-            <a:lnRef idx="1">
-              <a:schemeClr val="accent1"/>
-            </a:lnRef>
-            <a:fillRef idx="0">
-              <a:schemeClr val="accent1"/>
-            </a:fillRef>
-            <a:effectRef idx="0">
-              <a:schemeClr val="accent1"/>
-            </a:effectRef>
-            <a:fontRef idx="minor">
-              <a:schemeClr val="tx1"/>
-            </a:fontRef>
-          </p:style>
-        </p:cxnSp>
-        <p:cxnSp>
-          <p:nvCxnSpPr>
-            <p:cNvPr id="33" name="Straight Connector 32">
-              <a:extLst>
-                <a:ext uri="{FF2B5EF4-FFF2-40B4-BE49-F238E27FC236}">
-                  <a16:creationId xmlns:a16="http://schemas.microsoft.com/office/drawing/2014/main" id="{7A059482-79BA-4E80-80A2-36FD8408DA34}"/>
-                </a:ext>
-                <a:ext uri="{C183D7F6-B498-43B3-948B-1728B52AA6E4}">
-                  <adec:decorative xmlns:adec="http://schemas.microsoft.com/office/drawing/2017/decorative" val="1"/>
-                </a:ext>
-              </a:extLst>
-            </p:cNvPr>
-            <p:cNvCxnSpPr>
-              <a:cxnSpLocks/>
-            </p:cNvCxnSpPr>
-            <p:nvPr>
-              <p:extLst>
-                <p:ext uri="{386F3935-93C4-4BCD-93E2-E3B085C9AB24}">
-                  <p16:designElem xmlns:p16="http://schemas.microsoft.com/office/powerpoint/2015/main" val="1"/>
-                </p:ext>
-              </p:extLst>
-            </p:nvPr>
-          </p:nvCxnSpPr>
-          <p:spPr>
-            <a:xfrm>
-              <a:off x="0" y="2886121"/>
-              <a:ext cx="12192000" cy="0"/>
-            </a:xfrm>
-            <a:prstGeom prst="line">
-              <a:avLst/>
-            </a:prstGeom>
-            <a:ln w="12700">
-              <a:solidFill>
-                <a:srgbClr val="BCBCBC">
-                  <a:alpha val="29804"/>
-                </a:srgbClr>
-              </a:solidFill>
-              <a:prstDash val="sysDot"/>
-            </a:ln>
-          </p:spPr>
-          <p:style>
-            <a:lnRef idx="1">
-              <a:schemeClr val="accent1"/>
-            </a:lnRef>
-            <a:fillRef idx="0">
-              <a:schemeClr val="accent1"/>
-            </a:fillRef>
-            <a:effectRef idx="0">
-              <a:schemeClr val="accent1"/>
-            </a:effectRef>
-            <a:fontRef idx="minor">
-              <a:schemeClr val="tx1"/>
-            </a:fontRef>
-          </p:style>
-        </p:cxnSp>
-        <p:cxnSp>
-          <p:nvCxnSpPr>
-            <p:cNvPr id="34" name="Straight Connector 33">
-              <a:extLst>
-                <a:ext uri="{FF2B5EF4-FFF2-40B4-BE49-F238E27FC236}">
-                  <a16:creationId xmlns:a16="http://schemas.microsoft.com/office/drawing/2014/main" id="{B4EF88B3-C210-433D-B20D-FE41B4D5F936}"/>
-                </a:ext>
-                <a:ext uri="{C183D7F6-B498-43B3-948B-1728B52AA6E4}">
-                  <adec:decorative xmlns:adec="http://schemas.microsoft.com/office/drawing/2017/decorative" val="1"/>
-                </a:ext>
-              </a:extLst>
-            </p:cNvPr>
-            <p:cNvCxnSpPr>
-              <a:cxnSpLocks/>
-            </p:cNvCxnSpPr>
-            <p:nvPr>
-              <p:extLst>
-                <p:ext uri="{386F3935-93C4-4BCD-93E2-E3B085C9AB24}">
-                  <p16:designElem xmlns:p16="http://schemas.microsoft.com/office/powerpoint/2015/main" val="1"/>
-                </p:ext>
-              </p:extLst>
-            </p:nvPr>
-          </p:nvCxnSpPr>
-          <p:spPr>
-            <a:xfrm>
-              <a:off x="0" y="3429002"/>
-              <a:ext cx="12192000" cy="0"/>
-            </a:xfrm>
-            <a:prstGeom prst="line">
-              <a:avLst/>
-            </a:prstGeom>
-            <a:ln w="12700">
-              <a:solidFill>
-                <a:srgbClr val="BCBCBC">
-                  <a:alpha val="29804"/>
-                </a:srgbClr>
-              </a:solidFill>
-              <a:prstDash val="sysDot"/>
-            </a:ln>
-          </p:spPr>
-          <p:style>
-            <a:lnRef idx="1">
-              <a:schemeClr val="accent1"/>
-            </a:lnRef>
-            <a:fillRef idx="0">
-              <a:schemeClr val="accent1"/>
-            </a:fillRef>
-            <a:effectRef idx="0">
-              <a:schemeClr val="accent1"/>
-            </a:effectRef>
-            <a:fontRef idx="minor">
-              <a:schemeClr val="tx1"/>
-            </a:fontRef>
-          </p:style>
-        </p:cxnSp>
-        <p:cxnSp>
-          <p:nvCxnSpPr>
-            <p:cNvPr id="35" name="Straight Connector 34">
-              <a:extLst>
-                <a:ext uri="{FF2B5EF4-FFF2-40B4-BE49-F238E27FC236}">
-                  <a16:creationId xmlns:a16="http://schemas.microsoft.com/office/drawing/2014/main" id="{53665D3E-61E7-4EDF-A208-56449D765C62}"/>
-                </a:ext>
-                <a:ext uri="{C183D7F6-B498-43B3-948B-1728B52AA6E4}">
-                  <adec:decorative xmlns:adec="http://schemas.microsoft.com/office/drawing/2017/decorative" val="1"/>
-                </a:ext>
-              </a:extLst>
-            </p:cNvPr>
-            <p:cNvCxnSpPr>
-              <a:cxnSpLocks/>
-            </p:cNvCxnSpPr>
-            <p:nvPr>
-              <p:extLst>
-                <p:ext uri="{386F3935-93C4-4BCD-93E2-E3B085C9AB24}">
-                  <p16:designElem xmlns:p16="http://schemas.microsoft.com/office/powerpoint/2015/main" val="1"/>
-                </p:ext>
-              </p:extLst>
-            </p:nvPr>
-          </p:nvCxnSpPr>
-          <p:spPr>
-            <a:xfrm>
-              <a:off x="0" y="3971883"/>
-              <a:ext cx="12192000" cy="0"/>
-            </a:xfrm>
-            <a:prstGeom prst="line">
-              <a:avLst/>
-            </a:prstGeom>
-            <a:ln w="12700">
-              <a:solidFill>
-                <a:srgbClr val="BCBCBC">
-                  <a:alpha val="29804"/>
-                </a:srgbClr>
-              </a:solidFill>
-              <a:prstDash val="sysDot"/>
-            </a:ln>
-          </p:spPr>
-          <p:style>
-            <a:lnRef idx="1">
-              <a:schemeClr val="accent1"/>
-            </a:lnRef>
-            <a:fillRef idx="0">
-              <a:schemeClr val="accent1"/>
-            </a:fillRef>
-            <a:effectRef idx="0">
-              <a:schemeClr val="accent1"/>
-            </a:effectRef>
-            <a:fontRef idx="minor">
-              <a:schemeClr val="tx1"/>
-            </a:fontRef>
-          </p:style>
-        </p:cxnSp>
-        <p:cxnSp>
-          <p:nvCxnSpPr>
-            <p:cNvPr id="36" name="Straight Connector 35">
-              <a:extLst>
-                <a:ext uri="{FF2B5EF4-FFF2-40B4-BE49-F238E27FC236}">
-                  <a16:creationId xmlns:a16="http://schemas.microsoft.com/office/drawing/2014/main" id="{874CF3B0-C9C3-4683-94A3-DC0AE1E74512}"/>
-                </a:ext>
-                <a:ext uri="{C183D7F6-B498-43B3-948B-1728B52AA6E4}">
-                  <adec:decorative xmlns:adec="http://schemas.microsoft.com/office/drawing/2017/decorative" val="1"/>
-                </a:ext>
-              </a:extLst>
-            </p:cNvPr>
-            <p:cNvCxnSpPr>
-              <a:cxnSpLocks/>
-            </p:cNvCxnSpPr>
-            <p:nvPr>
-              <p:extLst>
-                <p:ext uri="{386F3935-93C4-4BCD-93E2-E3B085C9AB24}">
-                  <p16:designElem xmlns:p16="http://schemas.microsoft.com/office/powerpoint/2015/main" val="1"/>
-                </p:ext>
-              </p:extLst>
-            </p:nvPr>
-          </p:nvCxnSpPr>
-          <p:spPr>
-            <a:xfrm>
-              <a:off x="0" y="4514764"/>
-              <a:ext cx="12192000" cy="0"/>
-            </a:xfrm>
-            <a:prstGeom prst="line">
-              <a:avLst/>
-            </a:prstGeom>
-            <a:ln w="12700">
-              <a:solidFill>
-                <a:srgbClr val="BCBCBC">
-                  <a:alpha val="29804"/>
-                </a:srgbClr>
-              </a:solidFill>
-              <a:prstDash val="sysDot"/>
-            </a:ln>
-          </p:spPr>
-          <p:style>
-            <a:lnRef idx="1">
-              <a:schemeClr val="accent1"/>
-            </a:lnRef>
-            <a:fillRef idx="0">
-              <a:schemeClr val="accent1"/>
-            </a:fillRef>
-            <a:effectRef idx="0">
-              <a:schemeClr val="accent1"/>
-            </a:effectRef>
-            <a:fontRef idx="minor">
-              <a:schemeClr val="tx1"/>
-            </a:fontRef>
-          </p:style>
-        </p:cxnSp>
-        <p:cxnSp>
-          <p:nvCxnSpPr>
-            <p:cNvPr id="37" name="Straight Connector 36">
-              <a:extLst>
-                <a:ext uri="{FF2B5EF4-FFF2-40B4-BE49-F238E27FC236}">
-                  <a16:creationId xmlns:a16="http://schemas.microsoft.com/office/drawing/2014/main" id="{7BE90EF9-6DF5-47F4-A069-9F613C81422A}"/>
-                </a:ext>
-                <a:ext uri="{C183D7F6-B498-43B3-948B-1728B52AA6E4}">
-                  <adec:decorative xmlns:adec="http://schemas.microsoft.com/office/drawing/2017/decorative" val="1"/>
-                </a:ext>
-              </a:extLst>
-            </p:cNvPr>
-            <p:cNvCxnSpPr>
-              <a:cxnSpLocks/>
-            </p:cNvCxnSpPr>
-            <p:nvPr>
-              <p:extLst>
-                <p:ext uri="{386F3935-93C4-4BCD-93E2-E3B085C9AB24}">
-                  <p16:designElem xmlns:p16="http://schemas.microsoft.com/office/powerpoint/2015/main" val="1"/>
-                </p:ext>
-              </p:extLst>
-            </p:nvPr>
-          </p:nvCxnSpPr>
-          <p:spPr>
-            <a:xfrm>
-              <a:off x="0" y="5057645"/>
-              <a:ext cx="12192000" cy="0"/>
-            </a:xfrm>
-            <a:prstGeom prst="line">
-              <a:avLst/>
-            </a:prstGeom>
-            <a:ln w="12700">
-              <a:solidFill>
-                <a:srgbClr val="BCBCBC">
-                  <a:alpha val="29804"/>
-                </a:srgbClr>
-              </a:solidFill>
-              <a:prstDash val="sysDot"/>
-            </a:ln>
-          </p:spPr>
-          <p:style>
-            <a:lnRef idx="1">
-              <a:schemeClr val="accent1"/>
-            </a:lnRef>
-            <a:fillRef idx="0">
-              <a:schemeClr val="accent1"/>
-            </a:fillRef>
-            <a:effectRef idx="0">
-              <a:schemeClr val="accent1"/>
-            </a:effectRef>
-            <a:fontRef idx="minor">
-              <a:schemeClr val="tx1"/>
-            </a:fontRef>
-          </p:style>
-        </p:cxnSp>
-        <p:cxnSp>
-          <p:nvCxnSpPr>
-            <p:cNvPr id="38" name="Straight Connector 37">
-              <a:extLst>
-                <a:ext uri="{FF2B5EF4-FFF2-40B4-BE49-F238E27FC236}">
-                  <a16:creationId xmlns:a16="http://schemas.microsoft.com/office/drawing/2014/main" id="{F844EBDE-5A9F-4E9F-8A55-57FB9E979798}"/>
-                </a:ext>
-                <a:ext uri="{C183D7F6-B498-43B3-948B-1728B52AA6E4}">
-                  <adec:decorative xmlns:adec="http://schemas.microsoft.com/office/drawing/2017/decorative" val="1"/>
-                </a:ext>
-              </a:extLst>
-            </p:cNvPr>
-            <p:cNvCxnSpPr>
-              <a:cxnSpLocks/>
-            </p:cNvCxnSpPr>
-            <p:nvPr>
-              <p:extLst>
-                <p:ext uri="{386F3935-93C4-4BCD-93E2-E3B085C9AB24}">
-                  <p16:designElem xmlns:p16="http://schemas.microsoft.com/office/powerpoint/2015/main" val="1"/>
-                </p:ext>
-              </p:extLst>
-            </p:nvPr>
-          </p:nvCxnSpPr>
-          <p:spPr>
-            <a:xfrm>
-              <a:off x="0" y="5600526"/>
-              <a:ext cx="12192000" cy="0"/>
-            </a:xfrm>
-            <a:prstGeom prst="line">
-              <a:avLst/>
-            </a:prstGeom>
-            <a:ln w="12700">
-              <a:solidFill>
-                <a:srgbClr val="BCBCBC">
-                  <a:alpha val="29804"/>
-                </a:srgbClr>
-              </a:solidFill>
-              <a:prstDash val="sysDot"/>
-            </a:ln>
-          </p:spPr>
-          <p:style>
-            <a:lnRef idx="1">
-              <a:schemeClr val="accent1"/>
-            </a:lnRef>
-            <a:fillRef idx="0">
-              <a:schemeClr val="accent1"/>
-            </a:fillRef>
-            <a:effectRef idx="0">
-              <a:schemeClr val="accent1"/>
-            </a:effectRef>
-            <a:fontRef idx="minor">
-              <a:schemeClr val="tx1"/>
-            </a:fontRef>
-          </p:style>
-        </p:cxnSp>
-        <p:cxnSp>
-          <p:nvCxnSpPr>
-            <p:cNvPr id="39" name="Straight Connector 38">
-              <a:extLst>
-                <a:ext uri="{FF2B5EF4-FFF2-40B4-BE49-F238E27FC236}">
-                  <a16:creationId xmlns:a16="http://schemas.microsoft.com/office/drawing/2014/main" id="{6491FC45-82C4-40CD-8D0C-0A2F86E8A1EE}"/>
-                </a:ext>
-                <a:ext uri="{C183D7F6-B498-43B3-948B-1728B52AA6E4}">
-                  <adec:decorative xmlns:adec="http://schemas.microsoft.com/office/drawing/2017/decorative" val="1"/>
-                </a:ext>
-              </a:extLst>
-            </p:cNvPr>
-            <p:cNvCxnSpPr>
-              <a:cxnSpLocks/>
-            </p:cNvCxnSpPr>
-            <p:nvPr>
-              <p:extLst>
-                <p:ext uri="{386F3935-93C4-4BCD-93E2-E3B085C9AB24}">
-                  <p16:designElem xmlns:p16="http://schemas.microsoft.com/office/powerpoint/2015/main" val="1"/>
-                </p:ext>
-              </p:extLst>
-            </p:nvPr>
-          </p:nvCxnSpPr>
-          <p:spPr>
-            <a:xfrm>
-              <a:off x="0" y="6857999"/>
-              <a:ext cx="12192000" cy="0"/>
-            </a:xfrm>
-            <a:prstGeom prst="line">
-              <a:avLst/>
-            </a:prstGeom>
-            <a:ln w="12700">
-              <a:solidFill>
-                <a:srgbClr val="BCBCBC">
-                  <a:alpha val="29804"/>
-                </a:srgbClr>
-              </a:solidFill>
-              <a:prstDash val="sysDot"/>
-            </a:ln>
-          </p:spPr>
-          <p:style>
-            <a:lnRef idx="1">
-              <a:schemeClr val="accent1"/>
-            </a:lnRef>
-            <a:fillRef idx="0">
-              <a:schemeClr val="accent1"/>
-            </a:fillRef>
-            <a:effectRef idx="0">
-              <a:schemeClr val="accent1"/>
-            </a:effectRef>
-            <a:fontRef idx="minor">
-              <a:schemeClr val="tx1"/>
-            </a:fontRef>
-          </p:style>
-        </p:cxnSp>
-        <p:cxnSp>
-          <p:nvCxnSpPr>
-            <p:cNvPr id="40" name="Straight Connector 39">
-              <a:extLst>
-                <a:ext uri="{FF2B5EF4-FFF2-40B4-BE49-F238E27FC236}">
-                  <a16:creationId xmlns:a16="http://schemas.microsoft.com/office/drawing/2014/main" id="{71AD0FE3-6144-4171-943E-0E65D08E806C}"/>
-                </a:ext>
-                <a:ext uri="{C183D7F6-B498-43B3-948B-1728B52AA6E4}">
-                  <adec:decorative xmlns:adec="http://schemas.microsoft.com/office/drawing/2017/decorative" val="1"/>
-                </a:ext>
-              </a:extLst>
-            </p:cNvPr>
-            <p:cNvCxnSpPr>
-              <a:cxnSpLocks/>
-            </p:cNvCxnSpPr>
-            <p:nvPr>
-              <p:extLst>
-                <p:ext uri="{386F3935-93C4-4BCD-93E2-E3B085C9AB24}">
-                  <p16:designElem xmlns:p16="http://schemas.microsoft.com/office/powerpoint/2015/main" val="1"/>
-                </p:ext>
-              </p:extLst>
-            </p:nvPr>
-          </p:nvCxnSpPr>
-          <p:spPr>
-            <a:xfrm>
-              <a:off x="16613" y="6143407"/>
-              <a:ext cx="12192000" cy="0"/>
-            </a:xfrm>
-            <a:prstGeom prst="line">
-              <a:avLst/>
-            </a:prstGeom>
-            <a:ln w="12700">
-              <a:solidFill>
-                <a:srgbClr val="BCBCBC">
-                  <a:alpha val="29804"/>
-                </a:srgbClr>
-              </a:solidFill>
-              <a:prstDash val="sysDot"/>
-            </a:ln>
-          </p:spPr>
-          <p:style>
-            <a:lnRef idx="1">
-              <a:schemeClr val="accent1"/>
-            </a:lnRef>
-            <a:fillRef idx="0">
-              <a:schemeClr val="accent1"/>
-            </a:fillRef>
-            <a:effectRef idx="0">
-              <a:schemeClr val="accent1"/>
-            </a:effectRef>
-            <a:fontRef idx="minor">
-              <a:schemeClr val="tx1"/>
-            </a:fontRef>
-          </p:style>
-        </p:cxnSp>
-        <p:cxnSp>
-          <p:nvCxnSpPr>
-            <p:cNvPr id="41" name="Straight Connector 40">
-              <a:extLst>
-                <a:ext uri="{FF2B5EF4-FFF2-40B4-BE49-F238E27FC236}">
-                  <a16:creationId xmlns:a16="http://schemas.microsoft.com/office/drawing/2014/main" id="{A7BA4499-5E6A-4998-A0F4-614E65552B8C}"/>
-                </a:ext>
-                <a:ext uri="{C183D7F6-B498-43B3-948B-1728B52AA6E4}">
-                  <adec:decorative xmlns:adec="http://schemas.microsoft.com/office/drawing/2017/decorative" val="1"/>
-                </a:ext>
-              </a:extLst>
-            </p:cNvPr>
-            <p:cNvCxnSpPr>
-              <a:cxnSpLocks/>
-            </p:cNvCxnSpPr>
-            <p:nvPr>
-              <p:extLst>
-                <p:ext uri="{386F3935-93C4-4BCD-93E2-E3B085C9AB24}">
-                  <p16:designElem xmlns:p16="http://schemas.microsoft.com/office/powerpoint/2015/main" val="1"/>
-                </p:ext>
-              </p:extLst>
-            </p:nvPr>
-          </p:nvCxnSpPr>
-          <p:spPr>
-            <a:xfrm>
-              <a:off x="684225" y="171716"/>
-              <a:ext cx="0" cy="6511464"/>
-            </a:xfrm>
-            <a:prstGeom prst="line">
-              <a:avLst/>
-            </a:prstGeom>
-            <a:ln w="12700">
-              <a:solidFill>
-                <a:srgbClr val="BCBCBC">
-                  <a:alpha val="29804"/>
-                </a:srgbClr>
-              </a:solidFill>
-              <a:prstDash val="sysDot"/>
-            </a:ln>
-          </p:spPr>
-          <p:style>
-            <a:lnRef idx="1">
-              <a:schemeClr val="accent1"/>
-            </a:lnRef>
-            <a:fillRef idx="0">
-              <a:schemeClr val="accent1"/>
-            </a:fillRef>
-            <a:effectRef idx="0">
-              <a:schemeClr val="accent1"/>
-            </a:effectRef>
-            <a:fontRef idx="minor">
-              <a:schemeClr val="tx1"/>
-            </a:fontRef>
-          </p:style>
-        </p:cxnSp>
-        <p:cxnSp>
-          <p:nvCxnSpPr>
-            <p:cNvPr id="42" name="Straight Connector 41">
-              <a:extLst>
-                <a:ext uri="{FF2B5EF4-FFF2-40B4-BE49-F238E27FC236}">
-                  <a16:creationId xmlns:a16="http://schemas.microsoft.com/office/drawing/2014/main" id="{CAFE7A6F-A7F0-4406-809F-E23FCB201E3B}"/>
-                </a:ext>
-                <a:ext uri="{C183D7F6-B498-43B3-948B-1728B52AA6E4}">
-                  <adec:decorative xmlns:adec="http://schemas.microsoft.com/office/drawing/2017/decorative" val="1"/>
-                </a:ext>
-              </a:extLst>
-            </p:cNvPr>
-            <p:cNvCxnSpPr>
-              <a:cxnSpLocks/>
-            </p:cNvCxnSpPr>
-            <p:nvPr>
-              <p:extLst>
-                <p:ext uri="{386F3935-93C4-4BCD-93E2-E3B085C9AB24}">
-                  <p16:designElem xmlns:p16="http://schemas.microsoft.com/office/powerpoint/2015/main" val="1"/>
-                </p:ext>
-              </p:extLst>
-            </p:nvPr>
-          </p:nvCxnSpPr>
-          <p:spPr>
-            <a:xfrm>
-              <a:off x="11508412" y="173267"/>
-              <a:ext cx="0" cy="6511464"/>
-            </a:xfrm>
-            <a:prstGeom prst="line">
-              <a:avLst/>
-            </a:prstGeom>
-            <a:ln w="12700">
-              <a:solidFill>
-                <a:srgbClr val="BCBCBC">
-                  <a:alpha val="29804"/>
-                </a:srgbClr>
-              </a:solidFill>
-              <a:prstDash val="sysDot"/>
-            </a:ln>
-          </p:spPr>
-          <p:style>
-            <a:lnRef idx="1">
-              <a:schemeClr val="accent1"/>
-            </a:lnRef>
-            <a:fillRef idx="0">
-              <a:schemeClr val="accent1"/>
-            </a:fillRef>
-            <a:effectRef idx="0">
-              <a:schemeClr val="accent1"/>
-            </a:effectRef>
-            <a:fontRef idx="minor">
-              <a:schemeClr val="tx1"/>
-            </a:fontRef>
-          </p:style>
-        </p:cxnSp>
-      </p:grpSp>
-      <p:sp>
-        <p:nvSpPr>
-          <p:cNvPr id="2" name="Titel 1">
-            <a:extLst>
-              <a:ext uri="{FF2B5EF4-FFF2-40B4-BE49-F238E27FC236}">
-                <a16:creationId xmlns:a16="http://schemas.microsoft.com/office/drawing/2014/main" id="{5F9485F8-E1A9-EF65-3008-9E8D0C36C432}"/>
-              </a:ext>
-            </a:extLst>
-          </p:cNvPr>
-          <p:cNvSpPr>
-            <a:spLocks noGrp="1"/>
-          </p:cNvSpPr>
-          <p:nvPr>
-            <p:ph type="title"/>
-          </p:nvPr>
-        </p:nvSpPr>
-        <p:spPr>
-          <a:xfrm>
-            <a:off x="691079" y="725951"/>
-            <a:ext cx="4927425" cy="1938525"/>
-          </a:xfrm>
-        </p:spPr>
-        <p:txBody>
-          <a:bodyPr>
-            <a:normAutofit/>
-          </a:bodyPr>
-          <a:lstStyle/>
-          <a:p>
-            <a:r>
-              <a:rPr lang="de-DE" dirty="0" err="1"/>
-              <a:t>How</a:t>
-            </a:r>
-            <a:r>
-              <a:rPr lang="de-DE" dirty="0"/>
-              <a:t> </a:t>
-            </a:r>
-            <a:r>
-              <a:rPr lang="de-DE" dirty="0" err="1"/>
-              <a:t>to</a:t>
-            </a:r>
-            <a:r>
-              <a:rPr lang="de-DE" dirty="0"/>
-              <a:t> </a:t>
-            </a:r>
-            <a:r>
-              <a:rPr lang="de-DE" dirty="0" err="1"/>
-              <a:t>start</a:t>
-            </a:r>
-            <a:endParaRPr lang="de-CH" dirty="0"/>
-          </a:p>
-        </p:txBody>
-      </p:sp>
-      <p:sp>
-        <p:nvSpPr>
-          <p:cNvPr id="44" name="Right Triangle 43">
-            <a:extLst>
-              <a:ext uri="{FF2B5EF4-FFF2-40B4-BE49-F238E27FC236}">
-                <a16:creationId xmlns:a16="http://schemas.microsoft.com/office/drawing/2014/main" id="{BEAC0A80-07D3-49CB-87C3-BC34F219DFF7}"/>
-              </a:ext>
-              <a:ext uri="{C183D7F6-B498-43B3-948B-1728B52AA6E4}">
-                <adec:decorative xmlns:adec="http://schemas.microsoft.com/office/drawing/2017/decorative" val="1"/>
-              </a:ext>
-            </a:extLst>
-          </p:cNvPr>
-          <p:cNvSpPr>
-            <a:spLocks noGrp="1" noRot="1" noChangeAspect="1" noMove="1" noResize="1" noEditPoints="1" noAdjustHandles="1" noChangeArrowheads="1" noChangeShapeType="1" noTextEdit="1"/>
-          </p:cNvSpPr>
-          <p:nvPr>
-            <p:extLst>
-              <p:ext uri="{386F3935-93C4-4BCD-93E2-E3B085C9AB24}">
-                <p16:designElem xmlns:p16="http://schemas.microsoft.com/office/powerpoint/2015/main" val="1"/>
-              </p:ext>
-            </p:extLst>
-          </p:nvPr>
-        </p:nvSpPr>
-        <p:spPr>
-          <a:xfrm rot="13500000">
-            <a:off x="-279641" y="2064057"/>
-            <a:ext cx="568289" cy="568289"/>
-          </a:xfrm>
-          <a:prstGeom prst="rtTriangle">
-            <a:avLst/>
-          </a:prstGeom>
-          <a:solidFill>
-            <a:schemeClr val="accent1">
-              <a:alpha val="50000"/>
-            </a:schemeClr>
-          </a:solidFill>
-          <a:ln>
-            <a:noFill/>
-          </a:ln>
-        </p:spPr>
-        <p:style>
-          <a:lnRef idx="2">
-            <a:schemeClr val="accent1">
-              <a:shade val="50000"/>
-            </a:schemeClr>
-          </a:lnRef>
-          <a:fillRef idx="1">
-            <a:schemeClr val="accent1"/>
-          </a:fillRef>
-          <a:effectRef idx="0">
-            <a:schemeClr val="accent1"/>
-          </a:effectRef>
-          <a:fontRef idx="minor">
-            <a:schemeClr val="lt1"/>
-          </a:fontRef>
-        </p:style>
-        <p:txBody>
-          <a:bodyPr rtlCol="0" anchor="ctr"/>
-          <a:lstStyle/>
-          <a:p>
-            <a:pPr algn="ctr"/>
-            <a:endParaRPr lang="en-US">
-              <a:solidFill>
-                <a:schemeClr val="tx1"/>
-              </a:solidFill>
-            </a:endParaRPr>
-          </a:p>
-        </p:txBody>
-      </p:sp>
-      <p:sp>
-        <p:nvSpPr>
-          <p:cNvPr id="3" name="Inhaltsplatzhalter 2">
-            <a:extLst>
-              <a:ext uri="{FF2B5EF4-FFF2-40B4-BE49-F238E27FC236}">
-                <a16:creationId xmlns:a16="http://schemas.microsoft.com/office/drawing/2014/main" id="{1734646B-498B-3531-5202-4A03A439E492}"/>
-              </a:ext>
-            </a:extLst>
-          </p:cNvPr>
-          <p:cNvSpPr>
-            <a:spLocks noGrp="1"/>
-          </p:cNvSpPr>
-          <p:nvPr>
-            <p:ph idx="1"/>
-          </p:nvPr>
-        </p:nvSpPr>
-        <p:spPr>
-          <a:xfrm>
-            <a:off x="691079" y="2886116"/>
-            <a:ext cx="4927425" cy="3245931"/>
-          </a:xfrm>
-        </p:spPr>
-        <p:txBody>
-          <a:bodyPr>
-            <a:normAutofit/>
-          </a:bodyPr>
-          <a:lstStyle/>
-          <a:p>
-            <a:r>
-              <a:rPr lang="en-US" dirty="0"/>
-              <a:t>Cold for a short time</a:t>
-            </a:r>
-            <a:endParaRPr lang="de-CH" dirty="0"/>
-          </a:p>
-          <a:p>
-            <a:r>
-              <a:rPr lang="de-CH" dirty="0"/>
-              <a:t>Start warm</a:t>
-            </a:r>
-          </a:p>
-        </p:txBody>
-      </p:sp>
-      <p:pic>
-        <p:nvPicPr>
-          <p:cNvPr id="5" name="Picture 4" descr="Close-up of hopscotch on a sidewalk">
-            <a:extLst>
-              <a:ext uri="{FF2B5EF4-FFF2-40B4-BE49-F238E27FC236}">
-                <a16:creationId xmlns:a16="http://schemas.microsoft.com/office/drawing/2014/main" id="{BC90019A-90B0-B5DA-72AC-E1A93069A8AB}"/>
-              </a:ext>
-            </a:extLst>
-          </p:cNvPr>
-          <p:cNvPicPr>
-            <a:picLocks noChangeAspect="1"/>
-          </p:cNvPicPr>
-          <p:nvPr/>
-        </p:nvPicPr>
-        <p:blipFill rotWithShape="1">
-          <a:blip r:embed="rId2"/>
-          <a:srcRect l="22026" r="20590" b="-1"/>
-          <a:stretch/>
-        </p:blipFill>
-        <p:spPr>
-          <a:xfrm>
-            <a:off x="6309311" y="1"/>
-            <a:ext cx="5899302" cy="6862230"/>
-          </a:xfrm>
-          <a:custGeom>
-            <a:avLst/>
-            <a:gdLst/>
-            <a:ahLst/>
-            <a:cxnLst/>
-            <a:rect l="l" t="t" r="r" b="b"/>
-            <a:pathLst>
-              <a:path w="5923149" h="6857997">
-                <a:moveTo>
-                  <a:pt x="320173" y="0"/>
-                </a:moveTo>
-                <a:lnTo>
-                  <a:pt x="5923149" y="0"/>
-                </a:lnTo>
-                <a:lnTo>
-                  <a:pt x="5923149" y="6857997"/>
-                </a:lnTo>
-                <a:lnTo>
-                  <a:pt x="1111789" y="6857997"/>
-                </a:lnTo>
-                <a:lnTo>
-                  <a:pt x="1106562" y="6546368"/>
-                </a:lnTo>
-                <a:cubicBezTo>
-                  <a:pt x="1000021" y="3425651"/>
-                  <a:pt x="-688878" y="3321843"/>
-                  <a:pt x="320173" y="0"/>
-                </a:cubicBezTo>
-                <a:close/>
-              </a:path>
-            </a:pathLst>
-          </a:custGeom>
-        </p:spPr>
-      </p:pic>
-    </p:spTree>
-    <p:extLst>
-      <p:ext uri="{BB962C8B-B14F-4D97-AF65-F5344CB8AC3E}">
-        <p14:creationId xmlns:p14="http://schemas.microsoft.com/office/powerpoint/2010/main" val="2484698599"/>
-      </p:ext>
-    </p:extLst>
-  </p:cSld>
-  <p:clrMapOvr>
-    <a:masterClrMapping/>
-  </p:clrMapOvr>
-</p:sld>
-</file>
-
-<file path=ppt/slides/slide3.xml><?xml version="1.0" encoding="utf-8"?>
-<p:sld xmlns:a="http://schemas.openxmlformats.org/drawingml/2006/main" xmlns:r="http://schemas.openxmlformats.org/officeDocument/2006/relationships" xmlns:p="http://schemas.openxmlformats.org/presentationml/2006/main">
-  <p:cSld>
     <p:spTree>
       <p:nvGrpSpPr>
         <p:cNvPr id="1" name=""/>
@@ -18279,6 +16225,2160 @@
     <p:extLst>
       <p:ext uri="{BB962C8B-B14F-4D97-AF65-F5344CB8AC3E}">
         <p14:creationId xmlns:p14="http://schemas.microsoft.com/office/powerpoint/2010/main" val="1565579142"/>
+      </p:ext>
+    </p:extLst>
+  </p:cSld>
+  <p:clrMapOvr>
+    <a:masterClrMapping/>
+  </p:clrMapOvr>
+</p:sld>
+</file>
+
+<file path=ppt/slides/slide3.xml><?xml version="1.0" encoding="utf-8"?>
+<p:sld xmlns:a="http://schemas.openxmlformats.org/drawingml/2006/main" xmlns:r="http://schemas.openxmlformats.org/officeDocument/2006/relationships" xmlns:p="http://schemas.openxmlformats.org/presentationml/2006/main">
+  <p:cSld>
+    <p:bg>
+      <p:bgPr>
+        <a:solidFill>
+          <a:schemeClr val="bg1"/>
+        </a:solidFill>
+        <a:effectLst/>
+      </p:bgPr>
+    </p:bg>
+    <p:spTree>
+      <p:nvGrpSpPr>
+        <p:cNvPr id="1" name=""/>
+        <p:cNvGrpSpPr/>
+        <p:nvPr/>
+      </p:nvGrpSpPr>
+      <p:grpSpPr>
+        <a:xfrm>
+          <a:off x="0" y="0"/>
+          <a:ext cx="0" cy="0"/>
+          <a:chOff x="0" y="0"/>
+          <a:chExt cx="0" cy="0"/>
+        </a:xfrm>
+      </p:grpSpPr>
+      <p:sp useBgFill="1">
+        <p:nvSpPr>
+          <p:cNvPr id="9" name="Rectangle 8">
+            <a:extLst>
+              <a:ext uri="{FF2B5EF4-FFF2-40B4-BE49-F238E27FC236}">
+                <a16:creationId xmlns:a16="http://schemas.microsoft.com/office/drawing/2014/main" id="{1C582B07-D0F0-4B6B-A5D9-D2F192CB3A4E}"/>
+              </a:ext>
+              <a:ext uri="{C183D7F6-B498-43B3-948B-1728B52AA6E4}">
+                <adec:decorative xmlns:adec="http://schemas.microsoft.com/office/drawing/2017/decorative" val="1"/>
+              </a:ext>
+            </a:extLst>
+          </p:cNvPr>
+          <p:cNvSpPr>
+            <a:spLocks noGrp="1" noRot="1" noChangeAspect="1" noMove="1" noResize="1" noEditPoints="1" noAdjustHandles="1" noChangeArrowheads="1" noChangeShapeType="1" noTextEdit="1"/>
+          </p:cNvSpPr>
+          <p:nvPr>
+            <p:extLst>
+              <p:ext uri="{386F3935-93C4-4BCD-93E2-E3B085C9AB24}">
+                <p16:designElem xmlns:p16="http://schemas.microsoft.com/office/powerpoint/2015/main" val="1"/>
+              </p:ext>
+            </p:extLst>
+          </p:nvPr>
+        </p:nvSpPr>
+        <p:spPr>
+          <a:xfrm>
+            <a:off x="0" y="0"/>
+            <a:ext cx="12188952" cy="6858000"/>
+          </a:xfrm>
+          <a:prstGeom prst="rect">
+            <a:avLst/>
+          </a:prstGeom>
+          <a:ln>
+            <a:noFill/>
+          </a:ln>
+        </p:spPr>
+        <p:style>
+          <a:lnRef idx="2">
+            <a:schemeClr val="accent1">
+              <a:shade val="50000"/>
+            </a:schemeClr>
+          </a:lnRef>
+          <a:fillRef idx="1">
+            <a:schemeClr val="accent1"/>
+          </a:fillRef>
+          <a:effectRef idx="0">
+            <a:schemeClr val="accent1"/>
+          </a:effectRef>
+          <a:fontRef idx="minor">
+            <a:schemeClr val="lt1"/>
+          </a:fontRef>
+        </p:style>
+        <p:txBody>
+          <a:bodyPr rtlCol="0" anchor="ctr"/>
+          <a:lstStyle/>
+          <a:p>
+            <a:pPr algn="ctr"/>
+            <a:endParaRPr lang="en-US">
+              <a:solidFill>
+                <a:schemeClr val="bg1"/>
+              </a:solidFill>
+            </a:endParaRPr>
+          </a:p>
+        </p:txBody>
+      </p:sp>
+      <p:grpSp>
+        <p:nvGrpSpPr>
+          <p:cNvPr id="11" name="Group 10">
+            <a:extLst>
+              <a:ext uri="{FF2B5EF4-FFF2-40B4-BE49-F238E27FC236}">
+                <a16:creationId xmlns:a16="http://schemas.microsoft.com/office/drawing/2014/main" id="{4D431671-5191-4947-8899-E90505A70426}"/>
+              </a:ext>
+              <a:ext uri="{C183D7F6-B498-43B3-948B-1728B52AA6E4}">
+                <adec:decorative xmlns:adec="http://schemas.microsoft.com/office/drawing/2017/decorative" val="1"/>
+              </a:ext>
+            </a:extLst>
+          </p:cNvPr>
+          <p:cNvGrpSpPr>
+            <a:grpSpLocks noGrp="1" noUngrp="1" noRot="1" noChangeAspect="1" noMove="1" noResize="1"/>
+          </p:cNvGrpSpPr>
+          <p:nvPr>
+            <p:extLst>
+              <p:ext uri="{386F3935-93C4-4BCD-93E2-E3B085C9AB24}">
+                <p16:designElem xmlns:p16="http://schemas.microsoft.com/office/powerpoint/2015/main" val="1"/>
+              </p:ext>
+            </p:extLst>
+          </p:nvPr>
+        </p:nvGrpSpPr>
+        <p:grpSpPr>
+          <a:xfrm>
+            <a:off x="-6214" y="-1"/>
+            <a:ext cx="12214827" cy="6858000"/>
+            <a:chOff x="-6214" y="-1"/>
+            <a:chExt cx="12214827" cy="6858000"/>
+          </a:xfrm>
+        </p:grpSpPr>
+        <p:cxnSp>
+          <p:nvCxnSpPr>
+            <p:cNvPr id="12" name="Straight Connector 11">
+              <a:extLst>
+                <a:ext uri="{FF2B5EF4-FFF2-40B4-BE49-F238E27FC236}">
+                  <a16:creationId xmlns:a16="http://schemas.microsoft.com/office/drawing/2014/main" id="{877D2E98-ED65-4121-9DA5-6DBB831D0FB2}"/>
+                </a:ext>
+                <a:ext uri="{C183D7F6-B498-43B3-948B-1728B52AA6E4}">
+                  <adec:decorative xmlns:adec="http://schemas.microsoft.com/office/drawing/2017/decorative" val="1"/>
+                </a:ext>
+              </a:extLst>
+            </p:cNvPr>
+            <p:cNvCxnSpPr>
+              <a:cxnSpLocks/>
+            </p:cNvCxnSpPr>
+            <p:nvPr>
+              <p:extLst>
+                <p:ext uri="{386F3935-93C4-4BCD-93E2-E3B085C9AB24}">
+                  <p16:designElem xmlns:p16="http://schemas.microsoft.com/office/powerpoint/2015/main" val="1"/>
+                </p:ext>
+              </p:extLst>
+            </p:nvPr>
+          </p:nvCxnSpPr>
+          <p:spPr>
+            <a:xfrm>
+              <a:off x="-6214" y="6686283"/>
+              <a:ext cx="12192000" cy="0"/>
+            </a:xfrm>
+            <a:prstGeom prst="line">
+              <a:avLst/>
+            </a:prstGeom>
+            <a:ln w="12700">
+              <a:solidFill>
+                <a:srgbClr val="BCBCBC">
+                  <a:alpha val="29804"/>
+                </a:srgbClr>
+              </a:solidFill>
+              <a:prstDash val="sysDot"/>
+            </a:ln>
+          </p:spPr>
+          <p:style>
+            <a:lnRef idx="1">
+              <a:schemeClr val="accent1"/>
+            </a:lnRef>
+            <a:fillRef idx="0">
+              <a:schemeClr val="accent1"/>
+            </a:fillRef>
+            <a:effectRef idx="0">
+              <a:schemeClr val="accent1"/>
+            </a:effectRef>
+            <a:fontRef idx="minor">
+              <a:schemeClr val="tx1"/>
+            </a:fontRef>
+          </p:style>
+        </p:cxnSp>
+        <p:cxnSp>
+          <p:nvCxnSpPr>
+            <p:cNvPr id="13" name="Straight Connector 12">
+              <a:extLst>
+                <a:ext uri="{FF2B5EF4-FFF2-40B4-BE49-F238E27FC236}">
+                  <a16:creationId xmlns:a16="http://schemas.microsoft.com/office/drawing/2014/main" id="{DA94A307-5B5D-4E42-95B3-064D5093ADE5}"/>
+                </a:ext>
+                <a:ext uri="{C183D7F6-B498-43B3-948B-1728B52AA6E4}">
+                  <adec:decorative xmlns:adec="http://schemas.microsoft.com/office/drawing/2017/decorative" val="1"/>
+                </a:ext>
+              </a:extLst>
+            </p:cNvPr>
+            <p:cNvCxnSpPr>
+              <a:cxnSpLocks/>
+            </p:cNvCxnSpPr>
+            <p:nvPr>
+              <p:extLst>
+                <p:ext uri="{386F3935-93C4-4BCD-93E2-E3B085C9AB24}">
+                  <p16:designElem xmlns:p16="http://schemas.microsoft.com/office/powerpoint/2015/main" val="1"/>
+                </p:ext>
+              </p:extLst>
+            </p:nvPr>
+          </p:nvCxnSpPr>
+          <p:spPr>
+            <a:xfrm>
+              <a:off x="0" y="-1"/>
+              <a:ext cx="0" cy="6858000"/>
+            </a:xfrm>
+            <a:prstGeom prst="line">
+              <a:avLst/>
+            </a:prstGeom>
+            <a:ln w="12700">
+              <a:solidFill>
+                <a:srgbClr val="BCBCBC">
+                  <a:alpha val="29804"/>
+                </a:srgbClr>
+              </a:solidFill>
+              <a:prstDash val="sysDot"/>
+            </a:ln>
+          </p:spPr>
+          <p:style>
+            <a:lnRef idx="1">
+              <a:schemeClr val="accent1"/>
+            </a:lnRef>
+            <a:fillRef idx="0">
+              <a:schemeClr val="accent1"/>
+            </a:fillRef>
+            <a:effectRef idx="0">
+              <a:schemeClr val="accent1"/>
+            </a:effectRef>
+            <a:fontRef idx="minor">
+              <a:schemeClr val="tx1"/>
+            </a:fontRef>
+          </p:style>
+        </p:cxnSp>
+        <p:cxnSp>
+          <p:nvCxnSpPr>
+            <p:cNvPr id="14" name="Straight Connector 13">
+              <a:extLst>
+                <a:ext uri="{FF2B5EF4-FFF2-40B4-BE49-F238E27FC236}">
+                  <a16:creationId xmlns:a16="http://schemas.microsoft.com/office/drawing/2014/main" id="{8CB3B32C-3BDA-4D41-9802-681B0599FD3C}"/>
+                </a:ext>
+                <a:ext uri="{C183D7F6-B498-43B3-948B-1728B52AA6E4}">
+                  <adec:decorative xmlns:adec="http://schemas.microsoft.com/office/drawing/2017/decorative" val="1"/>
+                </a:ext>
+              </a:extLst>
+            </p:cNvPr>
+            <p:cNvCxnSpPr>
+              <a:cxnSpLocks/>
+            </p:cNvCxnSpPr>
+            <p:nvPr>
+              <p:extLst>
+                <p:ext uri="{386F3935-93C4-4BCD-93E2-E3B085C9AB24}">
+                  <p16:designElem xmlns:p16="http://schemas.microsoft.com/office/powerpoint/2015/main" val="1"/>
+                </p:ext>
+              </p:extLst>
+            </p:nvPr>
+          </p:nvCxnSpPr>
+          <p:spPr>
+            <a:xfrm>
+              <a:off x="11993258" y="-1"/>
+              <a:ext cx="0" cy="6858000"/>
+            </a:xfrm>
+            <a:prstGeom prst="line">
+              <a:avLst/>
+            </a:prstGeom>
+            <a:ln w="12700">
+              <a:solidFill>
+                <a:srgbClr val="BCBCBC">
+                  <a:alpha val="29804"/>
+                </a:srgbClr>
+              </a:solidFill>
+              <a:prstDash val="sysDot"/>
+            </a:ln>
+          </p:spPr>
+          <p:style>
+            <a:lnRef idx="1">
+              <a:schemeClr val="accent1"/>
+            </a:lnRef>
+            <a:fillRef idx="0">
+              <a:schemeClr val="accent1"/>
+            </a:fillRef>
+            <a:effectRef idx="0">
+              <a:schemeClr val="accent1"/>
+            </a:effectRef>
+            <a:fontRef idx="minor">
+              <a:schemeClr val="tx1"/>
+            </a:fontRef>
+          </p:style>
+        </p:cxnSp>
+        <p:cxnSp>
+          <p:nvCxnSpPr>
+            <p:cNvPr id="15" name="Straight Connector 14">
+              <a:extLst>
+                <a:ext uri="{FF2B5EF4-FFF2-40B4-BE49-F238E27FC236}">
+                  <a16:creationId xmlns:a16="http://schemas.microsoft.com/office/drawing/2014/main" id="{35BDBFD6-7C61-4520-8203-BAB1986C158C}"/>
+                </a:ext>
+                <a:ext uri="{C183D7F6-B498-43B3-948B-1728B52AA6E4}">
+                  <adec:decorative xmlns:adec="http://schemas.microsoft.com/office/drawing/2017/decorative" val="1"/>
+                </a:ext>
+              </a:extLst>
+            </p:cNvPr>
+            <p:cNvCxnSpPr>
+              <a:cxnSpLocks/>
+            </p:cNvCxnSpPr>
+            <p:nvPr>
+              <p:extLst>
+                <p:ext uri="{386F3935-93C4-4BCD-93E2-E3B085C9AB24}">
+                  <p16:designElem xmlns:p16="http://schemas.microsoft.com/office/powerpoint/2015/main" val="1"/>
+                </p:ext>
+              </p:extLst>
+            </p:nvPr>
+          </p:nvCxnSpPr>
+          <p:spPr>
+            <a:xfrm>
+              <a:off x="192528" y="-1"/>
+              <a:ext cx="0" cy="6858000"/>
+            </a:xfrm>
+            <a:prstGeom prst="line">
+              <a:avLst/>
+            </a:prstGeom>
+            <a:ln w="12700">
+              <a:solidFill>
+                <a:srgbClr val="BCBCBC">
+                  <a:alpha val="29804"/>
+                </a:srgbClr>
+              </a:solidFill>
+              <a:prstDash val="sysDot"/>
+            </a:ln>
+          </p:spPr>
+          <p:style>
+            <a:lnRef idx="1">
+              <a:schemeClr val="accent1"/>
+            </a:lnRef>
+            <a:fillRef idx="0">
+              <a:schemeClr val="accent1"/>
+            </a:fillRef>
+            <a:effectRef idx="0">
+              <a:schemeClr val="accent1"/>
+            </a:effectRef>
+            <a:fontRef idx="minor">
+              <a:schemeClr val="tx1"/>
+            </a:fontRef>
+          </p:style>
+        </p:cxnSp>
+        <p:cxnSp>
+          <p:nvCxnSpPr>
+            <p:cNvPr id="16" name="Straight Connector 15">
+              <a:extLst>
+                <a:ext uri="{FF2B5EF4-FFF2-40B4-BE49-F238E27FC236}">
+                  <a16:creationId xmlns:a16="http://schemas.microsoft.com/office/drawing/2014/main" id="{D4ABA4D7-9904-42C4-B0CD-B1CE2E0D3734}"/>
+                </a:ext>
+                <a:ext uri="{C183D7F6-B498-43B3-948B-1728B52AA6E4}">
+                  <adec:decorative xmlns:adec="http://schemas.microsoft.com/office/drawing/2017/decorative" val="1"/>
+                </a:ext>
+              </a:extLst>
+            </p:cNvPr>
+            <p:cNvCxnSpPr>
+              <a:cxnSpLocks/>
+            </p:cNvCxnSpPr>
+            <p:nvPr>
+              <p:extLst>
+                <p:ext uri="{386F3935-93C4-4BCD-93E2-E3B085C9AB24}">
+                  <p16:designElem xmlns:p16="http://schemas.microsoft.com/office/powerpoint/2015/main" val="1"/>
+                </p:ext>
+              </p:extLst>
+            </p:nvPr>
+          </p:nvCxnSpPr>
+          <p:spPr>
+            <a:xfrm>
+              <a:off x="1175922" y="-1"/>
+              <a:ext cx="0" cy="6858000"/>
+            </a:xfrm>
+            <a:prstGeom prst="line">
+              <a:avLst/>
+            </a:prstGeom>
+            <a:ln w="12700">
+              <a:solidFill>
+                <a:srgbClr val="BCBCBC">
+                  <a:alpha val="29804"/>
+                </a:srgbClr>
+              </a:solidFill>
+              <a:prstDash val="sysDot"/>
+            </a:ln>
+          </p:spPr>
+          <p:style>
+            <a:lnRef idx="1">
+              <a:schemeClr val="accent1"/>
+            </a:lnRef>
+            <a:fillRef idx="0">
+              <a:schemeClr val="accent1"/>
+            </a:fillRef>
+            <a:effectRef idx="0">
+              <a:schemeClr val="accent1"/>
+            </a:effectRef>
+            <a:fontRef idx="minor">
+              <a:schemeClr val="tx1"/>
+            </a:fontRef>
+          </p:style>
+        </p:cxnSp>
+        <p:cxnSp>
+          <p:nvCxnSpPr>
+            <p:cNvPr id="17" name="Straight Connector 16">
+              <a:extLst>
+                <a:ext uri="{FF2B5EF4-FFF2-40B4-BE49-F238E27FC236}">
+                  <a16:creationId xmlns:a16="http://schemas.microsoft.com/office/drawing/2014/main" id="{BB63F0D6-8747-4126-9359-B730EB21B79A}"/>
+                </a:ext>
+                <a:ext uri="{C183D7F6-B498-43B3-948B-1728B52AA6E4}">
+                  <adec:decorative xmlns:adec="http://schemas.microsoft.com/office/drawing/2017/decorative" val="1"/>
+                </a:ext>
+              </a:extLst>
+            </p:cNvPr>
+            <p:cNvCxnSpPr>
+              <a:cxnSpLocks/>
+            </p:cNvCxnSpPr>
+            <p:nvPr>
+              <p:extLst>
+                <p:ext uri="{386F3935-93C4-4BCD-93E2-E3B085C9AB24}">
+                  <p16:designElem xmlns:p16="http://schemas.microsoft.com/office/powerpoint/2015/main" val="1"/>
+                </p:ext>
+              </p:extLst>
+            </p:nvPr>
+          </p:nvCxnSpPr>
+          <p:spPr>
+            <a:xfrm>
+              <a:off x="2159316" y="-1"/>
+              <a:ext cx="0" cy="6858000"/>
+            </a:xfrm>
+            <a:prstGeom prst="line">
+              <a:avLst/>
+            </a:prstGeom>
+            <a:ln w="12700">
+              <a:solidFill>
+                <a:srgbClr val="BCBCBC">
+                  <a:alpha val="29804"/>
+                </a:srgbClr>
+              </a:solidFill>
+              <a:prstDash val="sysDot"/>
+            </a:ln>
+          </p:spPr>
+          <p:style>
+            <a:lnRef idx="1">
+              <a:schemeClr val="accent1"/>
+            </a:lnRef>
+            <a:fillRef idx="0">
+              <a:schemeClr val="accent1"/>
+            </a:fillRef>
+            <a:effectRef idx="0">
+              <a:schemeClr val="accent1"/>
+            </a:effectRef>
+            <a:fontRef idx="minor">
+              <a:schemeClr val="tx1"/>
+            </a:fontRef>
+          </p:style>
+        </p:cxnSp>
+        <p:cxnSp>
+          <p:nvCxnSpPr>
+            <p:cNvPr id="18" name="Straight Connector 17">
+              <a:extLst>
+                <a:ext uri="{FF2B5EF4-FFF2-40B4-BE49-F238E27FC236}">
+                  <a16:creationId xmlns:a16="http://schemas.microsoft.com/office/drawing/2014/main" id="{D91CD660-F5B2-49AC-9EFC-CE94B843B4DA}"/>
+                </a:ext>
+                <a:ext uri="{C183D7F6-B498-43B3-948B-1728B52AA6E4}">
+                  <adec:decorative xmlns:adec="http://schemas.microsoft.com/office/drawing/2017/decorative" val="1"/>
+                </a:ext>
+              </a:extLst>
+            </p:cNvPr>
+            <p:cNvCxnSpPr>
+              <a:cxnSpLocks/>
+            </p:cNvCxnSpPr>
+            <p:nvPr>
+              <p:extLst>
+                <p:ext uri="{386F3935-93C4-4BCD-93E2-E3B085C9AB24}">
+                  <p16:designElem xmlns:p16="http://schemas.microsoft.com/office/powerpoint/2015/main" val="1"/>
+                </p:ext>
+              </p:extLst>
+            </p:nvPr>
+          </p:nvCxnSpPr>
+          <p:spPr>
+            <a:xfrm>
+              <a:off x="3142710" y="-1"/>
+              <a:ext cx="0" cy="6858000"/>
+            </a:xfrm>
+            <a:prstGeom prst="line">
+              <a:avLst/>
+            </a:prstGeom>
+            <a:ln w="12700">
+              <a:solidFill>
+                <a:srgbClr val="BCBCBC">
+                  <a:alpha val="29804"/>
+                </a:srgbClr>
+              </a:solidFill>
+              <a:prstDash val="sysDot"/>
+            </a:ln>
+          </p:spPr>
+          <p:style>
+            <a:lnRef idx="1">
+              <a:schemeClr val="accent1"/>
+            </a:lnRef>
+            <a:fillRef idx="0">
+              <a:schemeClr val="accent1"/>
+            </a:fillRef>
+            <a:effectRef idx="0">
+              <a:schemeClr val="accent1"/>
+            </a:effectRef>
+            <a:fontRef idx="minor">
+              <a:schemeClr val="tx1"/>
+            </a:fontRef>
+          </p:style>
+        </p:cxnSp>
+        <p:cxnSp>
+          <p:nvCxnSpPr>
+            <p:cNvPr id="19" name="Straight Connector 18">
+              <a:extLst>
+                <a:ext uri="{FF2B5EF4-FFF2-40B4-BE49-F238E27FC236}">
+                  <a16:creationId xmlns:a16="http://schemas.microsoft.com/office/drawing/2014/main" id="{A4BEB7EB-8E7F-4A4B-8581-73CE2003F2F7}"/>
+                </a:ext>
+                <a:ext uri="{C183D7F6-B498-43B3-948B-1728B52AA6E4}">
+                  <adec:decorative xmlns:adec="http://schemas.microsoft.com/office/drawing/2017/decorative" val="1"/>
+                </a:ext>
+              </a:extLst>
+            </p:cNvPr>
+            <p:cNvCxnSpPr>
+              <a:cxnSpLocks/>
+            </p:cNvCxnSpPr>
+            <p:nvPr>
+              <p:extLst>
+                <p:ext uri="{386F3935-93C4-4BCD-93E2-E3B085C9AB24}">
+                  <p16:designElem xmlns:p16="http://schemas.microsoft.com/office/powerpoint/2015/main" val="1"/>
+                </p:ext>
+              </p:extLst>
+            </p:nvPr>
+          </p:nvCxnSpPr>
+          <p:spPr>
+            <a:xfrm>
+              <a:off x="4126104" y="-1"/>
+              <a:ext cx="0" cy="6858000"/>
+            </a:xfrm>
+            <a:prstGeom prst="line">
+              <a:avLst/>
+            </a:prstGeom>
+            <a:ln w="12700">
+              <a:solidFill>
+                <a:srgbClr val="BCBCBC">
+                  <a:alpha val="29804"/>
+                </a:srgbClr>
+              </a:solidFill>
+              <a:prstDash val="sysDot"/>
+            </a:ln>
+          </p:spPr>
+          <p:style>
+            <a:lnRef idx="1">
+              <a:schemeClr val="accent1"/>
+            </a:lnRef>
+            <a:fillRef idx="0">
+              <a:schemeClr val="accent1"/>
+            </a:fillRef>
+            <a:effectRef idx="0">
+              <a:schemeClr val="accent1"/>
+            </a:effectRef>
+            <a:fontRef idx="minor">
+              <a:schemeClr val="tx1"/>
+            </a:fontRef>
+          </p:style>
+        </p:cxnSp>
+        <p:cxnSp>
+          <p:nvCxnSpPr>
+            <p:cNvPr id="20" name="Straight Connector 19">
+              <a:extLst>
+                <a:ext uri="{FF2B5EF4-FFF2-40B4-BE49-F238E27FC236}">
+                  <a16:creationId xmlns:a16="http://schemas.microsoft.com/office/drawing/2014/main" id="{B04FB70E-6820-4456-872A-937F520606C5}"/>
+                </a:ext>
+                <a:ext uri="{C183D7F6-B498-43B3-948B-1728B52AA6E4}">
+                  <adec:decorative xmlns:adec="http://schemas.microsoft.com/office/drawing/2017/decorative" val="1"/>
+                </a:ext>
+              </a:extLst>
+            </p:cNvPr>
+            <p:cNvCxnSpPr>
+              <a:cxnSpLocks/>
+            </p:cNvCxnSpPr>
+            <p:nvPr>
+              <p:extLst>
+                <p:ext uri="{386F3935-93C4-4BCD-93E2-E3B085C9AB24}">
+                  <p16:designElem xmlns:p16="http://schemas.microsoft.com/office/powerpoint/2015/main" val="1"/>
+                </p:ext>
+              </p:extLst>
+            </p:nvPr>
+          </p:nvCxnSpPr>
+          <p:spPr>
+            <a:xfrm>
+              <a:off x="5109498" y="-1"/>
+              <a:ext cx="0" cy="6858000"/>
+            </a:xfrm>
+            <a:prstGeom prst="line">
+              <a:avLst/>
+            </a:prstGeom>
+            <a:ln w="12700">
+              <a:solidFill>
+                <a:srgbClr val="BCBCBC">
+                  <a:alpha val="29804"/>
+                </a:srgbClr>
+              </a:solidFill>
+              <a:prstDash val="sysDot"/>
+            </a:ln>
+          </p:spPr>
+          <p:style>
+            <a:lnRef idx="1">
+              <a:schemeClr val="accent1"/>
+            </a:lnRef>
+            <a:fillRef idx="0">
+              <a:schemeClr val="accent1"/>
+            </a:fillRef>
+            <a:effectRef idx="0">
+              <a:schemeClr val="accent1"/>
+            </a:effectRef>
+            <a:fontRef idx="minor">
+              <a:schemeClr val="tx1"/>
+            </a:fontRef>
+          </p:style>
+        </p:cxnSp>
+        <p:cxnSp>
+          <p:nvCxnSpPr>
+            <p:cNvPr id="21" name="Straight Connector 20">
+              <a:extLst>
+                <a:ext uri="{FF2B5EF4-FFF2-40B4-BE49-F238E27FC236}">
+                  <a16:creationId xmlns:a16="http://schemas.microsoft.com/office/drawing/2014/main" id="{E3598DD6-9887-4CF7-BAFE-F96E0324EB9E}"/>
+                </a:ext>
+                <a:ext uri="{C183D7F6-B498-43B3-948B-1728B52AA6E4}">
+                  <adec:decorative xmlns:adec="http://schemas.microsoft.com/office/drawing/2017/decorative" val="1"/>
+                </a:ext>
+              </a:extLst>
+            </p:cNvPr>
+            <p:cNvCxnSpPr>
+              <a:cxnSpLocks/>
+            </p:cNvCxnSpPr>
+            <p:nvPr>
+              <p:extLst>
+                <p:ext uri="{386F3935-93C4-4BCD-93E2-E3B085C9AB24}">
+                  <p16:designElem xmlns:p16="http://schemas.microsoft.com/office/powerpoint/2015/main" val="1"/>
+                </p:ext>
+              </p:extLst>
+            </p:nvPr>
+          </p:nvCxnSpPr>
+          <p:spPr>
+            <a:xfrm>
+              <a:off x="6092892" y="-1"/>
+              <a:ext cx="0" cy="6858000"/>
+            </a:xfrm>
+            <a:prstGeom prst="line">
+              <a:avLst/>
+            </a:prstGeom>
+            <a:ln w="12700">
+              <a:solidFill>
+                <a:srgbClr val="BCBCBC">
+                  <a:alpha val="29804"/>
+                </a:srgbClr>
+              </a:solidFill>
+              <a:prstDash val="sysDot"/>
+            </a:ln>
+          </p:spPr>
+          <p:style>
+            <a:lnRef idx="1">
+              <a:schemeClr val="accent1"/>
+            </a:lnRef>
+            <a:fillRef idx="0">
+              <a:schemeClr val="accent1"/>
+            </a:fillRef>
+            <a:effectRef idx="0">
+              <a:schemeClr val="accent1"/>
+            </a:effectRef>
+            <a:fontRef idx="minor">
+              <a:schemeClr val="tx1"/>
+            </a:fontRef>
+          </p:style>
+        </p:cxnSp>
+        <p:cxnSp>
+          <p:nvCxnSpPr>
+            <p:cNvPr id="22" name="Straight Connector 21">
+              <a:extLst>
+                <a:ext uri="{FF2B5EF4-FFF2-40B4-BE49-F238E27FC236}">
+                  <a16:creationId xmlns:a16="http://schemas.microsoft.com/office/drawing/2014/main" id="{AA503E64-565F-465B-A25C-042C5706C568}"/>
+                </a:ext>
+                <a:ext uri="{C183D7F6-B498-43B3-948B-1728B52AA6E4}">
+                  <adec:decorative xmlns:adec="http://schemas.microsoft.com/office/drawing/2017/decorative" val="1"/>
+                </a:ext>
+              </a:extLst>
+            </p:cNvPr>
+            <p:cNvCxnSpPr>
+              <a:cxnSpLocks/>
+            </p:cNvCxnSpPr>
+            <p:nvPr>
+              <p:extLst>
+                <p:ext uri="{386F3935-93C4-4BCD-93E2-E3B085C9AB24}">
+                  <p16:designElem xmlns:p16="http://schemas.microsoft.com/office/powerpoint/2015/main" val="1"/>
+                </p:ext>
+              </p:extLst>
+            </p:nvPr>
+          </p:nvCxnSpPr>
+          <p:spPr>
+            <a:xfrm>
+              <a:off x="7076286" y="-1"/>
+              <a:ext cx="0" cy="6858000"/>
+            </a:xfrm>
+            <a:prstGeom prst="line">
+              <a:avLst/>
+            </a:prstGeom>
+            <a:ln w="12700">
+              <a:solidFill>
+                <a:srgbClr val="BCBCBC">
+                  <a:alpha val="29804"/>
+                </a:srgbClr>
+              </a:solidFill>
+              <a:prstDash val="sysDot"/>
+            </a:ln>
+          </p:spPr>
+          <p:style>
+            <a:lnRef idx="1">
+              <a:schemeClr val="accent1"/>
+            </a:lnRef>
+            <a:fillRef idx="0">
+              <a:schemeClr val="accent1"/>
+            </a:fillRef>
+            <a:effectRef idx="0">
+              <a:schemeClr val="accent1"/>
+            </a:effectRef>
+            <a:fontRef idx="minor">
+              <a:schemeClr val="tx1"/>
+            </a:fontRef>
+          </p:style>
+        </p:cxnSp>
+        <p:cxnSp>
+          <p:nvCxnSpPr>
+            <p:cNvPr id="23" name="Straight Connector 22">
+              <a:extLst>
+                <a:ext uri="{FF2B5EF4-FFF2-40B4-BE49-F238E27FC236}">
+                  <a16:creationId xmlns:a16="http://schemas.microsoft.com/office/drawing/2014/main" id="{A140EE7B-5CA1-4DCB-8652-6E4D2147B0E7}"/>
+                </a:ext>
+                <a:ext uri="{C183D7F6-B498-43B3-948B-1728B52AA6E4}">
+                  <adec:decorative xmlns:adec="http://schemas.microsoft.com/office/drawing/2017/decorative" val="1"/>
+                </a:ext>
+              </a:extLst>
+            </p:cNvPr>
+            <p:cNvCxnSpPr>
+              <a:cxnSpLocks/>
+            </p:cNvCxnSpPr>
+            <p:nvPr>
+              <p:extLst>
+                <p:ext uri="{386F3935-93C4-4BCD-93E2-E3B085C9AB24}">
+                  <p16:designElem xmlns:p16="http://schemas.microsoft.com/office/powerpoint/2015/main" val="1"/>
+                </p:ext>
+              </p:extLst>
+            </p:nvPr>
+          </p:nvCxnSpPr>
+          <p:spPr>
+            <a:xfrm>
+              <a:off x="8059680" y="-1"/>
+              <a:ext cx="0" cy="6858000"/>
+            </a:xfrm>
+            <a:prstGeom prst="line">
+              <a:avLst/>
+            </a:prstGeom>
+            <a:ln w="12700">
+              <a:solidFill>
+                <a:srgbClr val="BCBCBC">
+                  <a:alpha val="29804"/>
+                </a:srgbClr>
+              </a:solidFill>
+              <a:prstDash val="sysDot"/>
+            </a:ln>
+          </p:spPr>
+          <p:style>
+            <a:lnRef idx="1">
+              <a:schemeClr val="accent1"/>
+            </a:lnRef>
+            <a:fillRef idx="0">
+              <a:schemeClr val="accent1"/>
+            </a:fillRef>
+            <a:effectRef idx="0">
+              <a:schemeClr val="accent1"/>
+            </a:effectRef>
+            <a:fontRef idx="minor">
+              <a:schemeClr val="tx1"/>
+            </a:fontRef>
+          </p:style>
+        </p:cxnSp>
+        <p:cxnSp>
+          <p:nvCxnSpPr>
+            <p:cNvPr id="24" name="Straight Connector 23">
+              <a:extLst>
+                <a:ext uri="{FF2B5EF4-FFF2-40B4-BE49-F238E27FC236}">
+                  <a16:creationId xmlns:a16="http://schemas.microsoft.com/office/drawing/2014/main" id="{F85077BE-700D-4C44-AA4D-7CF4E8FD71A9}"/>
+                </a:ext>
+                <a:ext uri="{C183D7F6-B498-43B3-948B-1728B52AA6E4}">
+                  <adec:decorative xmlns:adec="http://schemas.microsoft.com/office/drawing/2017/decorative" val="1"/>
+                </a:ext>
+              </a:extLst>
+            </p:cNvPr>
+            <p:cNvCxnSpPr>
+              <a:cxnSpLocks/>
+            </p:cNvCxnSpPr>
+            <p:nvPr>
+              <p:extLst>
+                <p:ext uri="{386F3935-93C4-4BCD-93E2-E3B085C9AB24}">
+                  <p16:designElem xmlns:p16="http://schemas.microsoft.com/office/powerpoint/2015/main" val="1"/>
+                </p:ext>
+              </p:extLst>
+            </p:nvPr>
+          </p:nvCxnSpPr>
+          <p:spPr>
+            <a:xfrm>
+              <a:off x="9043074" y="-1"/>
+              <a:ext cx="0" cy="6858000"/>
+            </a:xfrm>
+            <a:prstGeom prst="line">
+              <a:avLst/>
+            </a:prstGeom>
+            <a:ln w="12700">
+              <a:solidFill>
+                <a:srgbClr val="BCBCBC">
+                  <a:alpha val="29804"/>
+                </a:srgbClr>
+              </a:solidFill>
+              <a:prstDash val="sysDot"/>
+            </a:ln>
+          </p:spPr>
+          <p:style>
+            <a:lnRef idx="1">
+              <a:schemeClr val="accent1"/>
+            </a:lnRef>
+            <a:fillRef idx="0">
+              <a:schemeClr val="accent1"/>
+            </a:fillRef>
+            <a:effectRef idx="0">
+              <a:schemeClr val="accent1"/>
+            </a:effectRef>
+            <a:fontRef idx="minor">
+              <a:schemeClr val="tx1"/>
+            </a:fontRef>
+          </p:style>
+        </p:cxnSp>
+        <p:cxnSp>
+          <p:nvCxnSpPr>
+            <p:cNvPr id="25" name="Straight Connector 24">
+              <a:extLst>
+                <a:ext uri="{FF2B5EF4-FFF2-40B4-BE49-F238E27FC236}">
+                  <a16:creationId xmlns:a16="http://schemas.microsoft.com/office/drawing/2014/main" id="{FB8B3FEB-D353-443D-A148-3915606516D5}"/>
+                </a:ext>
+                <a:ext uri="{C183D7F6-B498-43B3-948B-1728B52AA6E4}">
+                  <adec:decorative xmlns:adec="http://schemas.microsoft.com/office/drawing/2017/decorative" val="1"/>
+                </a:ext>
+              </a:extLst>
+            </p:cNvPr>
+            <p:cNvCxnSpPr>
+              <a:cxnSpLocks/>
+            </p:cNvCxnSpPr>
+            <p:nvPr>
+              <p:extLst>
+                <p:ext uri="{386F3935-93C4-4BCD-93E2-E3B085C9AB24}">
+                  <p16:designElem xmlns:p16="http://schemas.microsoft.com/office/powerpoint/2015/main" val="1"/>
+                </p:ext>
+              </p:extLst>
+            </p:nvPr>
+          </p:nvCxnSpPr>
+          <p:spPr>
+            <a:xfrm>
+              <a:off x="10026468" y="-1"/>
+              <a:ext cx="0" cy="6858000"/>
+            </a:xfrm>
+            <a:prstGeom prst="line">
+              <a:avLst/>
+            </a:prstGeom>
+            <a:ln w="12700">
+              <a:solidFill>
+                <a:srgbClr val="BCBCBC">
+                  <a:alpha val="29804"/>
+                </a:srgbClr>
+              </a:solidFill>
+              <a:prstDash val="sysDot"/>
+            </a:ln>
+          </p:spPr>
+          <p:style>
+            <a:lnRef idx="1">
+              <a:schemeClr val="accent1"/>
+            </a:lnRef>
+            <a:fillRef idx="0">
+              <a:schemeClr val="accent1"/>
+            </a:fillRef>
+            <a:effectRef idx="0">
+              <a:schemeClr val="accent1"/>
+            </a:effectRef>
+            <a:fontRef idx="minor">
+              <a:schemeClr val="tx1"/>
+            </a:fontRef>
+          </p:style>
+        </p:cxnSp>
+        <p:cxnSp>
+          <p:nvCxnSpPr>
+            <p:cNvPr id="26" name="Straight Connector 25">
+              <a:extLst>
+                <a:ext uri="{FF2B5EF4-FFF2-40B4-BE49-F238E27FC236}">
+                  <a16:creationId xmlns:a16="http://schemas.microsoft.com/office/drawing/2014/main" id="{91FF5FBB-3BD8-46EB-BDF9-081B29A444BD}"/>
+                </a:ext>
+                <a:ext uri="{C183D7F6-B498-43B3-948B-1728B52AA6E4}">
+                  <adec:decorative xmlns:adec="http://schemas.microsoft.com/office/drawing/2017/decorative" val="1"/>
+                </a:ext>
+              </a:extLst>
+            </p:cNvPr>
+            <p:cNvCxnSpPr>
+              <a:cxnSpLocks/>
+            </p:cNvCxnSpPr>
+            <p:nvPr>
+              <p:extLst>
+                <p:ext uri="{386F3935-93C4-4BCD-93E2-E3B085C9AB24}">
+                  <p16:designElem xmlns:p16="http://schemas.microsoft.com/office/powerpoint/2015/main" val="1"/>
+                </p:ext>
+              </p:extLst>
+            </p:nvPr>
+          </p:nvCxnSpPr>
+          <p:spPr>
+            <a:xfrm>
+              <a:off x="11009862" y="-1"/>
+              <a:ext cx="0" cy="6858000"/>
+            </a:xfrm>
+            <a:prstGeom prst="line">
+              <a:avLst/>
+            </a:prstGeom>
+            <a:ln w="12700">
+              <a:solidFill>
+                <a:srgbClr val="BCBCBC">
+                  <a:alpha val="29804"/>
+                </a:srgbClr>
+              </a:solidFill>
+              <a:prstDash val="sysDot"/>
+            </a:ln>
+          </p:spPr>
+          <p:style>
+            <a:lnRef idx="1">
+              <a:schemeClr val="accent1"/>
+            </a:lnRef>
+            <a:fillRef idx="0">
+              <a:schemeClr val="accent1"/>
+            </a:fillRef>
+            <a:effectRef idx="0">
+              <a:schemeClr val="accent1"/>
+            </a:effectRef>
+            <a:fontRef idx="minor">
+              <a:schemeClr val="tx1"/>
+            </a:fontRef>
+          </p:style>
+        </p:cxnSp>
+        <p:cxnSp>
+          <p:nvCxnSpPr>
+            <p:cNvPr id="27" name="Straight Connector 26">
+              <a:extLst>
+                <a:ext uri="{FF2B5EF4-FFF2-40B4-BE49-F238E27FC236}">
+                  <a16:creationId xmlns:a16="http://schemas.microsoft.com/office/drawing/2014/main" id="{DC2E11FD-78A4-4F5C-A419-F0237DCAD274}"/>
+                </a:ext>
+                <a:ext uri="{C183D7F6-B498-43B3-948B-1728B52AA6E4}">
+                  <adec:decorative xmlns:adec="http://schemas.microsoft.com/office/drawing/2017/decorative" val="1"/>
+                </a:ext>
+              </a:extLst>
+            </p:cNvPr>
+            <p:cNvCxnSpPr>
+              <a:cxnSpLocks/>
+            </p:cNvCxnSpPr>
+            <p:nvPr>
+              <p:extLst>
+                <p:ext uri="{386F3935-93C4-4BCD-93E2-E3B085C9AB24}">
+                  <p16:designElem xmlns:p16="http://schemas.microsoft.com/office/powerpoint/2015/main" val="1"/>
+                </p:ext>
+              </p:extLst>
+            </p:nvPr>
+          </p:nvCxnSpPr>
+          <p:spPr>
+            <a:xfrm>
+              <a:off x="12185786" y="-1"/>
+              <a:ext cx="0" cy="6858000"/>
+            </a:xfrm>
+            <a:prstGeom prst="line">
+              <a:avLst/>
+            </a:prstGeom>
+            <a:ln w="12700">
+              <a:solidFill>
+                <a:srgbClr val="BCBCBC">
+                  <a:alpha val="29804"/>
+                </a:srgbClr>
+              </a:solidFill>
+              <a:prstDash val="sysDot"/>
+            </a:ln>
+          </p:spPr>
+          <p:style>
+            <a:lnRef idx="1">
+              <a:schemeClr val="accent1"/>
+            </a:lnRef>
+            <a:fillRef idx="0">
+              <a:schemeClr val="accent1"/>
+            </a:fillRef>
+            <a:effectRef idx="0">
+              <a:schemeClr val="accent1"/>
+            </a:effectRef>
+            <a:fontRef idx="minor">
+              <a:schemeClr val="tx1"/>
+            </a:fontRef>
+          </p:style>
+        </p:cxnSp>
+        <p:cxnSp>
+          <p:nvCxnSpPr>
+            <p:cNvPr id="28" name="Straight Connector 27">
+              <a:extLst>
+                <a:ext uri="{FF2B5EF4-FFF2-40B4-BE49-F238E27FC236}">
+                  <a16:creationId xmlns:a16="http://schemas.microsoft.com/office/drawing/2014/main" id="{9F708EBE-3154-4FF4-8E8F-88A076208068}"/>
+                </a:ext>
+                <a:ext uri="{C183D7F6-B498-43B3-948B-1728B52AA6E4}">
+                  <adec:decorative xmlns:adec="http://schemas.microsoft.com/office/drawing/2017/decorative" val="1"/>
+                </a:ext>
+              </a:extLst>
+            </p:cNvPr>
+            <p:cNvCxnSpPr>
+              <a:cxnSpLocks/>
+            </p:cNvCxnSpPr>
+            <p:nvPr>
+              <p:extLst>
+                <p:ext uri="{386F3935-93C4-4BCD-93E2-E3B085C9AB24}">
+                  <p16:designElem xmlns:p16="http://schemas.microsoft.com/office/powerpoint/2015/main" val="1"/>
+                </p:ext>
+              </p:extLst>
+            </p:nvPr>
+          </p:nvCxnSpPr>
+          <p:spPr>
+            <a:xfrm>
+              <a:off x="0" y="171716"/>
+              <a:ext cx="12192000" cy="0"/>
+            </a:xfrm>
+            <a:prstGeom prst="line">
+              <a:avLst/>
+            </a:prstGeom>
+            <a:ln w="12700">
+              <a:solidFill>
+                <a:srgbClr val="BCBCBC">
+                  <a:alpha val="29804"/>
+                </a:srgbClr>
+              </a:solidFill>
+              <a:prstDash val="sysDot"/>
+            </a:ln>
+          </p:spPr>
+          <p:style>
+            <a:lnRef idx="1">
+              <a:schemeClr val="accent1"/>
+            </a:lnRef>
+            <a:fillRef idx="0">
+              <a:schemeClr val="accent1"/>
+            </a:fillRef>
+            <a:effectRef idx="0">
+              <a:schemeClr val="accent1"/>
+            </a:effectRef>
+            <a:fontRef idx="minor">
+              <a:schemeClr val="tx1"/>
+            </a:fontRef>
+          </p:style>
+        </p:cxnSp>
+        <p:cxnSp>
+          <p:nvCxnSpPr>
+            <p:cNvPr id="29" name="Straight Connector 28">
+              <a:extLst>
+                <a:ext uri="{FF2B5EF4-FFF2-40B4-BE49-F238E27FC236}">
+                  <a16:creationId xmlns:a16="http://schemas.microsoft.com/office/drawing/2014/main" id="{27A99B5C-EB03-4D56-8DFE-B006D7081B61}"/>
+                </a:ext>
+                <a:ext uri="{C183D7F6-B498-43B3-948B-1728B52AA6E4}">
+                  <adec:decorative xmlns:adec="http://schemas.microsoft.com/office/drawing/2017/decorative" val="1"/>
+                </a:ext>
+              </a:extLst>
+            </p:cNvPr>
+            <p:cNvCxnSpPr>
+              <a:cxnSpLocks/>
+            </p:cNvCxnSpPr>
+            <p:nvPr>
+              <p:extLst>
+                <p:ext uri="{386F3935-93C4-4BCD-93E2-E3B085C9AB24}">
+                  <p16:designElem xmlns:p16="http://schemas.microsoft.com/office/powerpoint/2015/main" val="1"/>
+                </p:ext>
+              </p:extLst>
+            </p:nvPr>
+          </p:nvCxnSpPr>
+          <p:spPr>
+            <a:xfrm>
+              <a:off x="0" y="714597"/>
+              <a:ext cx="12192000" cy="0"/>
+            </a:xfrm>
+            <a:prstGeom prst="line">
+              <a:avLst/>
+            </a:prstGeom>
+            <a:ln w="12700">
+              <a:solidFill>
+                <a:srgbClr val="BCBCBC">
+                  <a:alpha val="29804"/>
+                </a:srgbClr>
+              </a:solidFill>
+              <a:prstDash val="sysDot"/>
+            </a:ln>
+          </p:spPr>
+          <p:style>
+            <a:lnRef idx="1">
+              <a:schemeClr val="accent1"/>
+            </a:lnRef>
+            <a:fillRef idx="0">
+              <a:schemeClr val="accent1"/>
+            </a:fillRef>
+            <a:effectRef idx="0">
+              <a:schemeClr val="accent1"/>
+            </a:effectRef>
+            <a:fontRef idx="minor">
+              <a:schemeClr val="tx1"/>
+            </a:fontRef>
+          </p:style>
+        </p:cxnSp>
+        <p:cxnSp>
+          <p:nvCxnSpPr>
+            <p:cNvPr id="30" name="Straight Connector 29">
+              <a:extLst>
+                <a:ext uri="{FF2B5EF4-FFF2-40B4-BE49-F238E27FC236}">
+                  <a16:creationId xmlns:a16="http://schemas.microsoft.com/office/drawing/2014/main" id="{2FCBAFF0-9FB4-4160-B9BE-CCBE1D8B8CBD}"/>
+                </a:ext>
+                <a:ext uri="{C183D7F6-B498-43B3-948B-1728B52AA6E4}">
+                  <adec:decorative xmlns:adec="http://schemas.microsoft.com/office/drawing/2017/decorative" val="1"/>
+                </a:ext>
+              </a:extLst>
+            </p:cNvPr>
+            <p:cNvCxnSpPr>
+              <a:cxnSpLocks/>
+            </p:cNvCxnSpPr>
+            <p:nvPr>
+              <p:extLst>
+                <p:ext uri="{386F3935-93C4-4BCD-93E2-E3B085C9AB24}">
+                  <p16:designElem xmlns:p16="http://schemas.microsoft.com/office/powerpoint/2015/main" val="1"/>
+                </p:ext>
+              </p:extLst>
+            </p:nvPr>
+          </p:nvCxnSpPr>
+          <p:spPr>
+            <a:xfrm>
+              <a:off x="0" y="1257478"/>
+              <a:ext cx="12192000" cy="0"/>
+            </a:xfrm>
+            <a:prstGeom prst="line">
+              <a:avLst/>
+            </a:prstGeom>
+            <a:ln w="12700">
+              <a:solidFill>
+                <a:srgbClr val="BCBCBC">
+                  <a:alpha val="29804"/>
+                </a:srgbClr>
+              </a:solidFill>
+              <a:prstDash val="sysDot"/>
+            </a:ln>
+          </p:spPr>
+          <p:style>
+            <a:lnRef idx="1">
+              <a:schemeClr val="accent1"/>
+            </a:lnRef>
+            <a:fillRef idx="0">
+              <a:schemeClr val="accent1"/>
+            </a:fillRef>
+            <a:effectRef idx="0">
+              <a:schemeClr val="accent1"/>
+            </a:effectRef>
+            <a:fontRef idx="minor">
+              <a:schemeClr val="tx1"/>
+            </a:fontRef>
+          </p:style>
+        </p:cxnSp>
+        <p:cxnSp>
+          <p:nvCxnSpPr>
+            <p:cNvPr id="31" name="Straight Connector 30">
+              <a:extLst>
+                <a:ext uri="{FF2B5EF4-FFF2-40B4-BE49-F238E27FC236}">
+                  <a16:creationId xmlns:a16="http://schemas.microsoft.com/office/drawing/2014/main" id="{326953D7-154A-49A4-B2E1-D94D365EC461}"/>
+                </a:ext>
+                <a:ext uri="{C183D7F6-B498-43B3-948B-1728B52AA6E4}">
+                  <adec:decorative xmlns:adec="http://schemas.microsoft.com/office/drawing/2017/decorative" val="1"/>
+                </a:ext>
+              </a:extLst>
+            </p:cNvPr>
+            <p:cNvCxnSpPr>
+              <a:cxnSpLocks/>
+            </p:cNvCxnSpPr>
+            <p:nvPr>
+              <p:extLst>
+                <p:ext uri="{386F3935-93C4-4BCD-93E2-E3B085C9AB24}">
+                  <p16:designElem xmlns:p16="http://schemas.microsoft.com/office/powerpoint/2015/main" val="1"/>
+                </p:ext>
+              </p:extLst>
+            </p:nvPr>
+          </p:nvCxnSpPr>
+          <p:spPr>
+            <a:xfrm>
+              <a:off x="0" y="1800359"/>
+              <a:ext cx="12192000" cy="0"/>
+            </a:xfrm>
+            <a:prstGeom prst="line">
+              <a:avLst/>
+            </a:prstGeom>
+            <a:ln w="12700">
+              <a:solidFill>
+                <a:srgbClr val="BCBCBC">
+                  <a:alpha val="29804"/>
+                </a:srgbClr>
+              </a:solidFill>
+              <a:prstDash val="sysDot"/>
+            </a:ln>
+          </p:spPr>
+          <p:style>
+            <a:lnRef idx="1">
+              <a:schemeClr val="accent1"/>
+            </a:lnRef>
+            <a:fillRef idx="0">
+              <a:schemeClr val="accent1"/>
+            </a:fillRef>
+            <a:effectRef idx="0">
+              <a:schemeClr val="accent1"/>
+            </a:effectRef>
+            <a:fontRef idx="minor">
+              <a:schemeClr val="tx1"/>
+            </a:fontRef>
+          </p:style>
+        </p:cxnSp>
+        <p:cxnSp>
+          <p:nvCxnSpPr>
+            <p:cNvPr id="32" name="Straight Connector 31">
+              <a:extLst>
+                <a:ext uri="{FF2B5EF4-FFF2-40B4-BE49-F238E27FC236}">
+                  <a16:creationId xmlns:a16="http://schemas.microsoft.com/office/drawing/2014/main" id="{836E3E12-5D96-48DB-8320-6294287740AC}"/>
+                </a:ext>
+                <a:ext uri="{C183D7F6-B498-43B3-948B-1728B52AA6E4}">
+                  <adec:decorative xmlns:adec="http://schemas.microsoft.com/office/drawing/2017/decorative" val="1"/>
+                </a:ext>
+              </a:extLst>
+            </p:cNvPr>
+            <p:cNvCxnSpPr>
+              <a:cxnSpLocks/>
+            </p:cNvCxnSpPr>
+            <p:nvPr>
+              <p:extLst>
+                <p:ext uri="{386F3935-93C4-4BCD-93E2-E3B085C9AB24}">
+                  <p16:designElem xmlns:p16="http://schemas.microsoft.com/office/powerpoint/2015/main" val="1"/>
+                </p:ext>
+              </p:extLst>
+            </p:nvPr>
+          </p:nvCxnSpPr>
+          <p:spPr>
+            <a:xfrm>
+              <a:off x="0" y="2343240"/>
+              <a:ext cx="12192000" cy="0"/>
+            </a:xfrm>
+            <a:prstGeom prst="line">
+              <a:avLst/>
+            </a:prstGeom>
+            <a:ln w="12700">
+              <a:solidFill>
+                <a:srgbClr val="BCBCBC">
+                  <a:alpha val="29804"/>
+                </a:srgbClr>
+              </a:solidFill>
+              <a:prstDash val="sysDot"/>
+            </a:ln>
+          </p:spPr>
+          <p:style>
+            <a:lnRef idx="1">
+              <a:schemeClr val="accent1"/>
+            </a:lnRef>
+            <a:fillRef idx="0">
+              <a:schemeClr val="accent1"/>
+            </a:fillRef>
+            <a:effectRef idx="0">
+              <a:schemeClr val="accent1"/>
+            </a:effectRef>
+            <a:fontRef idx="minor">
+              <a:schemeClr val="tx1"/>
+            </a:fontRef>
+          </p:style>
+        </p:cxnSp>
+        <p:cxnSp>
+          <p:nvCxnSpPr>
+            <p:cNvPr id="33" name="Straight Connector 32">
+              <a:extLst>
+                <a:ext uri="{FF2B5EF4-FFF2-40B4-BE49-F238E27FC236}">
+                  <a16:creationId xmlns:a16="http://schemas.microsoft.com/office/drawing/2014/main" id="{7A059482-79BA-4E80-80A2-36FD8408DA34}"/>
+                </a:ext>
+                <a:ext uri="{C183D7F6-B498-43B3-948B-1728B52AA6E4}">
+                  <adec:decorative xmlns:adec="http://schemas.microsoft.com/office/drawing/2017/decorative" val="1"/>
+                </a:ext>
+              </a:extLst>
+            </p:cNvPr>
+            <p:cNvCxnSpPr>
+              <a:cxnSpLocks/>
+            </p:cNvCxnSpPr>
+            <p:nvPr>
+              <p:extLst>
+                <p:ext uri="{386F3935-93C4-4BCD-93E2-E3B085C9AB24}">
+                  <p16:designElem xmlns:p16="http://schemas.microsoft.com/office/powerpoint/2015/main" val="1"/>
+                </p:ext>
+              </p:extLst>
+            </p:nvPr>
+          </p:nvCxnSpPr>
+          <p:spPr>
+            <a:xfrm>
+              <a:off x="0" y="2886121"/>
+              <a:ext cx="12192000" cy="0"/>
+            </a:xfrm>
+            <a:prstGeom prst="line">
+              <a:avLst/>
+            </a:prstGeom>
+            <a:ln w="12700">
+              <a:solidFill>
+                <a:srgbClr val="BCBCBC">
+                  <a:alpha val="29804"/>
+                </a:srgbClr>
+              </a:solidFill>
+              <a:prstDash val="sysDot"/>
+            </a:ln>
+          </p:spPr>
+          <p:style>
+            <a:lnRef idx="1">
+              <a:schemeClr val="accent1"/>
+            </a:lnRef>
+            <a:fillRef idx="0">
+              <a:schemeClr val="accent1"/>
+            </a:fillRef>
+            <a:effectRef idx="0">
+              <a:schemeClr val="accent1"/>
+            </a:effectRef>
+            <a:fontRef idx="minor">
+              <a:schemeClr val="tx1"/>
+            </a:fontRef>
+          </p:style>
+        </p:cxnSp>
+        <p:cxnSp>
+          <p:nvCxnSpPr>
+            <p:cNvPr id="34" name="Straight Connector 33">
+              <a:extLst>
+                <a:ext uri="{FF2B5EF4-FFF2-40B4-BE49-F238E27FC236}">
+                  <a16:creationId xmlns:a16="http://schemas.microsoft.com/office/drawing/2014/main" id="{B4EF88B3-C210-433D-B20D-FE41B4D5F936}"/>
+                </a:ext>
+                <a:ext uri="{C183D7F6-B498-43B3-948B-1728B52AA6E4}">
+                  <adec:decorative xmlns:adec="http://schemas.microsoft.com/office/drawing/2017/decorative" val="1"/>
+                </a:ext>
+              </a:extLst>
+            </p:cNvPr>
+            <p:cNvCxnSpPr>
+              <a:cxnSpLocks/>
+            </p:cNvCxnSpPr>
+            <p:nvPr>
+              <p:extLst>
+                <p:ext uri="{386F3935-93C4-4BCD-93E2-E3B085C9AB24}">
+                  <p16:designElem xmlns:p16="http://schemas.microsoft.com/office/powerpoint/2015/main" val="1"/>
+                </p:ext>
+              </p:extLst>
+            </p:nvPr>
+          </p:nvCxnSpPr>
+          <p:spPr>
+            <a:xfrm>
+              <a:off x="0" y="3429002"/>
+              <a:ext cx="12192000" cy="0"/>
+            </a:xfrm>
+            <a:prstGeom prst="line">
+              <a:avLst/>
+            </a:prstGeom>
+            <a:ln w="12700">
+              <a:solidFill>
+                <a:srgbClr val="BCBCBC">
+                  <a:alpha val="29804"/>
+                </a:srgbClr>
+              </a:solidFill>
+              <a:prstDash val="sysDot"/>
+            </a:ln>
+          </p:spPr>
+          <p:style>
+            <a:lnRef idx="1">
+              <a:schemeClr val="accent1"/>
+            </a:lnRef>
+            <a:fillRef idx="0">
+              <a:schemeClr val="accent1"/>
+            </a:fillRef>
+            <a:effectRef idx="0">
+              <a:schemeClr val="accent1"/>
+            </a:effectRef>
+            <a:fontRef idx="minor">
+              <a:schemeClr val="tx1"/>
+            </a:fontRef>
+          </p:style>
+        </p:cxnSp>
+        <p:cxnSp>
+          <p:nvCxnSpPr>
+            <p:cNvPr id="35" name="Straight Connector 34">
+              <a:extLst>
+                <a:ext uri="{FF2B5EF4-FFF2-40B4-BE49-F238E27FC236}">
+                  <a16:creationId xmlns:a16="http://schemas.microsoft.com/office/drawing/2014/main" id="{53665D3E-61E7-4EDF-A208-56449D765C62}"/>
+                </a:ext>
+                <a:ext uri="{C183D7F6-B498-43B3-948B-1728B52AA6E4}">
+                  <adec:decorative xmlns:adec="http://schemas.microsoft.com/office/drawing/2017/decorative" val="1"/>
+                </a:ext>
+              </a:extLst>
+            </p:cNvPr>
+            <p:cNvCxnSpPr>
+              <a:cxnSpLocks/>
+            </p:cNvCxnSpPr>
+            <p:nvPr>
+              <p:extLst>
+                <p:ext uri="{386F3935-93C4-4BCD-93E2-E3B085C9AB24}">
+                  <p16:designElem xmlns:p16="http://schemas.microsoft.com/office/powerpoint/2015/main" val="1"/>
+                </p:ext>
+              </p:extLst>
+            </p:nvPr>
+          </p:nvCxnSpPr>
+          <p:spPr>
+            <a:xfrm>
+              <a:off x="0" y="3971883"/>
+              <a:ext cx="12192000" cy="0"/>
+            </a:xfrm>
+            <a:prstGeom prst="line">
+              <a:avLst/>
+            </a:prstGeom>
+            <a:ln w="12700">
+              <a:solidFill>
+                <a:srgbClr val="BCBCBC">
+                  <a:alpha val="29804"/>
+                </a:srgbClr>
+              </a:solidFill>
+              <a:prstDash val="sysDot"/>
+            </a:ln>
+          </p:spPr>
+          <p:style>
+            <a:lnRef idx="1">
+              <a:schemeClr val="accent1"/>
+            </a:lnRef>
+            <a:fillRef idx="0">
+              <a:schemeClr val="accent1"/>
+            </a:fillRef>
+            <a:effectRef idx="0">
+              <a:schemeClr val="accent1"/>
+            </a:effectRef>
+            <a:fontRef idx="minor">
+              <a:schemeClr val="tx1"/>
+            </a:fontRef>
+          </p:style>
+        </p:cxnSp>
+        <p:cxnSp>
+          <p:nvCxnSpPr>
+            <p:cNvPr id="36" name="Straight Connector 35">
+              <a:extLst>
+                <a:ext uri="{FF2B5EF4-FFF2-40B4-BE49-F238E27FC236}">
+                  <a16:creationId xmlns:a16="http://schemas.microsoft.com/office/drawing/2014/main" id="{874CF3B0-C9C3-4683-94A3-DC0AE1E74512}"/>
+                </a:ext>
+                <a:ext uri="{C183D7F6-B498-43B3-948B-1728B52AA6E4}">
+                  <adec:decorative xmlns:adec="http://schemas.microsoft.com/office/drawing/2017/decorative" val="1"/>
+                </a:ext>
+              </a:extLst>
+            </p:cNvPr>
+            <p:cNvCxnSpPr>
+              <a:cxnSpLocks/>
+            </p:cNvCxnSpPr>
+            <p:nvPr>
+              <p:extLst>
+                <p:ext uri="{386F3935-93C4-4BCD-93E2-E3B085C9AB24}">
+                  <p16:designElem xmlns:p16="http://schemas.microsoft.com/office/powerpoint/2015/main" val="1"/>
+                </p:ext>
+              </p:extLst>
+            </p:nvPr>
+          </p:nvCxnSpPr>
+          <p:spPr>
+            <a:xfrm>
+              <a:off x="0" y="4514764"/>
+              <a:ext cx="12192000" cy="0"/>
+            </a:xfrm>
+            <a:prstGeom prst="line">
+              <a:avLst/>
+            </a:prstGeom>
+            <a:ln w="12700">
+              <a:solidFill>
+                <a:srgbClr val="BCBCBC">
+                  <a:alpha val="29804"/>
+                </a:srgbClr>
+              </a:solidFill>
+              <a:prstDash val="sysDot"/>
+            </a:ln>
+          </p:spPr>
+          <p:style>
+            <a:lnRef idx="1">
+              <a:schemeClr val="accent1"/>
+            </a:lnRef>
+            <a:fillRef idx="0">
+              <a:schemeClr val="accent1"/>
+            </a:fillRef>
+            <a:effectRef idx="0">
+              <a:schemeClr val="accent1"/>
+            </a:effectRef>
+            <a:fontRef idx="minor">
+              <a:schemeClr val="tx1"/>
+            </a:fontRef>
+          </p:style>
+        </p:cxnSp>
+        <p:cxnSp>
+          <p:nvCxnSpPr>
+            <p:cNvPr id="37" name="Straight Connector 36">
+              <a:extLst>
+                <a:ext uri="{FF2B5EF4-FFF2-40B4-BE49-F238E27FC236}">
+                  <a16:creationId xmlns:a16="http://schemas.microsoft.com/office/drawing/2014/main" id="{7BE90EF9-6DF5-47F4-A069-9F613C81422A}"/>
+                </a:ext>
+                <a:ext uri="{C183D7F6-B498-43B3-948B-1728B52AA6E4}">
+                  <adec:decorative xmlns:adec="http://schemas.microsoft.com/office/drawing/2017/decorative" val="1"/>
+                </a:ext>
+              </a:extLst>
+            </p:cNvPr>
+            <p:cNvCxnSpPr>
+              <a:cxnSpLocks/>
+            </p:cNvCxnSpPr>
+            <p:nvPr>
+              <p:extLst>
+                <p:ext uri="{386F3935-93C4-4BCD-93E2-E3B085C9AB24}">
+                  <p16:designElem xmlns:p16="http://schemas.microsoft.com/office/powerpoint/2015/main" val="1"/>
+                </p:ext>
+              </p:extLst>
+            </p:nvPr>
+          </p:nvCxnSpPr>
+          <p:spPr>
+            <a:xfrm>
+              <a:off x="0" y="5057645"/>
+              <a:ext cx="12192000" cy="0"/>
+            </a:xfrm>
+            <a:prstGeom prst="line">
+              <a:avLst/>
+            </a:prstGeom>
+            <a:ln w="12700">
+              <a:solidFill>
+                <a:srgbClr val="BCBCBC">
+                  <a:alpha val="29804"/>
+                </a:srgbClr>
+              </a:solidFill>
+              <a:prstDash val="sysDot"/>
+            </a:ln>
+          </p:spPr>
+          <p:style>
+            <a:lnRef idx="1">
+              <a:schemeClr val="accent1"/>
+            </a:lnRef>
+            <a:fillRef idx="0">
+              <a:schemeClr val="accent1"/>
+            </a:fillRef>
+            <a:effectRef idx="0">
+              <a:schemeClr val="accent1"/>
+            </a:effectRef>
+            <a:fontRef idx="minor">
+              <a:schemeClr val="tx1"/>
+            </a:fontRef>
+          </p:style>
+        </p:cxnSp>
+        <p:cxnSp>
+          <p:nvCxnSpPr>
+            <p:cNvPr id="38" name="Straight Connector 37">
+              <a:extLst>
+                <a:ext uri="{FF2B5EF4-FFF2-40B4-BE49-F238E27FC236}">
+                  <a16:creationId xmlns:a16="http://schemas.microsoft.com/office/drawing/2014/main" id="{F844EBDE-5A9F-4E9F-8A55-57FB9E979798}"/>
+                </a:ext>
+                <a:ext uri="{C183D7F6-B498-43B3-948B-1728B52AA6E4}">
+                  <adec:decorative xmlns:adec="http://schemas.microsoft.com/office/drawing/2017/decorative" val="1"/>
+                </a:ext>
+              </a:extLst>
+            </p:cNvPr>
+            <p:cNvCxnSpPr>
+              <a:cxnSpLocks/>
+            </p:cNvCxnSpPr>
+            <p:nvPr>
+              <p:extLst>
+                <p:ext uri="{386F3935-93C4-4BCD-93E2-E3B085C9AB24}">
+                  <p16:designElem xmlns:p16="http://schemas.microsoft.com/office/powerpoint/2015/main" val="1"/>
+                </p:ext>
+              </p:extLst>
+            </p:nvPr>
+          </p:nvCxnSpPr>
+          <p:spPr>
+            <a:xfrm>
+              <a:off x="0" y="5600526"/>
+              <a:ext cx="12192000" cy="0"/>
+            </a:xfrm>
+            <a:prstGeom prst="line">
+              <a:avLst/>
+            </a:prstGeom>
+            <a:ln w="12700">
+              <a:solidFill>
+                <a:srgbClr val="BCBCBC">
+                  <a:alpha val="29804"/>
+                </a:srgbClr>
+              </a:solidFill>
+              <a:prstDash val="sysDot"/>
+            </a:ln>
+          </p:spPr>
+          <p:style>
+            <a:lnRef idx="1">
+              <a:schemeClr val="accent1"/>
+            </a:lnRef>
+            <a:fillRef idx="0">
+              <a:schemeClr val="accent1"/>
+            </a:fillRef>
+            <a:effectRef idx="0">
+              <a:schemeClr val="accent1"/>
+            </a:effectRef>
+            <a:fontRef idx="minor">
+              <a:schemeClr val="tx1"/>
+            </a:fontRef>
+          </p:style>
+        </p:cxnSp>
+        <p:cxnSp>
+          <p:nvCxnSpPr>
+            <p:cNvPr id="39" name="Straight Connector 38">
+              <a:extLst>
+                <a:ext uri="{FF2B5EF4-FFF2-40B4-BE49-F238E27FC236}">
+                  <a16:creationId xmlns:a16="http://schemas.microsoft.com/office/drawing/2014/main" id="{6491FC45-82C4-40CD-8D0C-0A2F86E8A1EE}"/>
+                </a:ext>
+                <a:ext uri="{C183D7F6-B498-43B3-948B-1728B52AA6E4}">
+                  <adec:decorative xmlns:adec="http://schemas.microsoft.com/office/drawing/2017/decorative" val="1"/>
+                </a:ext>
+              </a:extLst>
+            </p:cNvPr>
+            <p:cNvCxnSpPr>
+              <a:cxnSpLocks/>
+            </p:cNvCxnSpPr>
+            <p:nvPr>
+              <p:extLst>
+                <p:ext uri="{386F3935-93C4-4BCD-93E2-E3B085C9AB24}">
+                  <p16:designElem xmlns:p16="http://schemas.microsoft.com/office/powerpoint/2015/main" val="1"/>
+                </p:ext>
+              </p:extLst>
+            </p:nvPr>
+          </p:nvCxnSpPr>
+          <p:spPr>
+            <a:xfrm>
+              <a:off x="0" y="6857999"/>
+              <a:ext cx="12192000" cy="0"/>
+            </a:xfrm>
+            <a:prstGeom prst="line">
+              <a:avLst/>
+            </a:prstGeom>
+            <a:ln w="12700">
+              <a:solidFill>
+                <a:srgbClr val="BCBCBC">
+                  <a:alpha val="29804"/>
+                </a:srgbClr>
+              </a:solidFill>
+              <a:prstDash val="sysDot"/>
+            </a:ln>
+          </p:spPr>
+          <p:style>
+            <a:lnRef idx="1">
+              <a:schemeClr val="accent1"/>
+            </a:lnRef>
+            <a:fillRef idx="0">
+              <a:schemeClr val="accent1"/>
+            </a:fillRef>
+            <a:effectRef idx="0">
+              <a:schemeClr val="accent1"/>
+            </a:effectRef>
+            <a:fontRef idx="minor">
+              <a:schemeClr val="tx1"/>
+            </a:fontRef>
+          </p:style>
+        </p:cxnSp>
+        <p:cxnSp>
+          <p:nvCxnSpPr>
+            <p:cNvPr id="40" name="Straight Connector 39">
+              <a:extLst>
+                <a:ext uri="{FF2B5EF4-FFF2-40B4-BE49-F238E27FC236}">
+                  <a16:creationId xmlns:a16="http://schemas.microsoft.com/office/drawing/2014/main" id="{71AD0FE3-6144-4171-943E-0E65D08E806C}"/>
+                </a:ext>
+                <a:ext uri="{C183D7F6-B498-43B3-948B-1728B52AA6E4}">
+                  <adec:decorative xmlns:adec="http://schemas.microsoft.com/office/drawing/2017/decorative" val="1"/>
+                </a:ext>
+              </a:extLst>
+            </p:cNvPr>
+            <p:cNvCxnSpPr>
+              <a:cxnSpLocks/>
+            </p:cNvCxnSpPr>
+            <p:nvPr>
+              <p:extLst>
+                <p:ext uri="{386F3935-93C4-4BCD-93E2-E3B085C9AB24}">
+                  <p16:designElem xmlns:p16="http://schemas.microsoft.com/office/powerpoint/2015/main" val="1"/>
+                </p:ext>
+              </p:extLst>
+            </p:nvPr>
+          </p:nvCxnSpPr>
+          <p:spPr>
+            <a:xfrm>
+              <a:off x="16613" y="6143407"/>
+              <a:ext cx="12192000" cy="0"/>
+            </a:xfrm>
+            <a:prstGeom prst="line">
+              <a:avLst/>
+            </a:prstGeom>
+            <a:ln w="12700">
+              <a:solidFill>
+                <a:srgbClr val="BCBCBC">
+                  <a:alpha val="29804"/>
+                </a:srgbClr>
+              </a:solidFill>
+              <a:prstDash val="sysDot"/>
+            </a:ln>
+          </p:spPr>
+          <p:style>
+            <a:lnRef idx="1">
+              <a:schemeClr val="accent1"/>
+            </a:lnRef>
+            <a:fillRef idx="0">
+              <a:schemeClr val="accent1"/>
+            </a:fillRef>
+            <a:effectRef idx="0">
+              <a:schemeClr val="accent1"/>
+            </a:effectRef>
+            <a:fontRef idx="minor">
+              <a:schemeClr val="tx1"/>
+            </a:fontRef>
+          </p:style>
+        </p:cxnSp>
+        <p:cxnSp>
+          <p:nvCxnSpPr>
+            <p:cNvPr id="41" name="Straight Connector 40">
+              <a:extLst>
+                <a:ext uri="{FF2B5EF4-FFF2-40B4-BE49-F238E27FC236}">
+                  <a16:creationId xmlns:a16="http://schemas.microsoft.com/office/drawing/2014/main" id="{A7BA4499-5E6A-4998-A0F4-614E65552B8C}"/>
+                </a:ext>
+                <a:ext uri="{C183D7F6-B498-43B3-948B-1728B52AA6E4}">
+                  <adec:decorative xmlns:adec="http://schemas.microsoft.com/office/drawing/2017/decorative" val="1"/>
+                </a:ext>
+              </a:extLst>
+            </p:cNvPr>
+            <p:cNvCxnSpPr>
+              <a:cxnSpLocks/>
+            </p:cNvCxnSpPr>
+            <p:nvPr>
+              <p:extLst>
+                <p:ext uri="{386F3935-93C4-4BCD-93E2-E3B085C9AB24}">
+                  <p16:designElem xmlns:p16="http://schemas.microsoft.com/office/powerpoint/2015/main" val="1"/>
+                </p:ext>
+              </p:extLst>
+            </p:nvPr>
+          </p:nvCxnSpPr>
+          <p:spPr>
+            <a:xfrm>
+              <a:off x="684225" y="171716"/>
+              <a:ext cx="0" cy="6511464"/>
+            </a:xfrm>
+            <a:prstGeom prst="line">
+              <a:avLst/>
+            </a:prstGeom>
+            <a:ln w="12700">
+              <a:solidFill>
+                <a:srgbClr val="BCBCBC">
+                  <a:alpha val="29804"/>
+                </a:srgbClr>
+              </a:solidFill>
+              <a:prstDash val="sysDot"/>
+            </a:ln>
+          </p:spPr>
+          <p:style>
+            <a:lnRef idx="1">
+              <a:schemeClr val="accent1"/>
+            </a:lnRef>
+            <a:fillRef idx="0">
+              <a:schemeClr val="accent1"/>
+            </a:fillRef>
+            <a:effectRef idx="0">
+              <a:schemeClr val="accent1"/>
+            </a:effectRef>
+            <a:fontRef idx="minor">
+              <a:schemeClr val="tx1"/>
+            </a:fontRef>
+          </p:style>
+        </p:cxnSp>
+        <p:cxnSp>
+          <p:nvCxnSpPr>
+            <p:cNvPr id="42" name="Straight Connector 41">
+              <a:extLst>
+                <a:ext uri="{FF2B5EF4-FFF2-40B4-BE49-F238E27FC236}">
+                  <a16:creationId xmlns:a16="http://schemas.microsoft.com/office/drawing/2014/main" id="{CAFE7A6F-A7F0-4406-809F-E23FCB201E3B}"/>
+                </a:ext>
+                <a:ext uri="{C183D7F6-B498-43B3-948B-1728B52AA6E4}">
+                  <adec:decorative xmlns:adec="http://schemas.microsoft.com/office/drawing/2017/decorative" val="1"/>
+                </a:ext>
+              </a:extLst>
+            </p:cNvPr>
+            <p:cNvCxnSpPr>
+              <a:cxnSpLocks/>
+            </p:cNvCxnSpPr>
+            <p:nvPr>
+              <p:extLst>
+                <p:ext uri="{386F3935-93C4-4BCD-93E2-E3B085C9AB24}">
+                  <p16:designElem xmlns:p16="http://schemas.microsoft.com/office/powerpoint/2015/main" val="1"/>
+                </p:ext>
+              </p:extLst>
+            </p:nvPr>
+          </p:nvCxnSpPr>
+          <p:spPr>
+            <a:xfrm>
+              <a:off x="11508412" y="173267"/>
+              <a:ext cx="0" cy="6511464"/>
+            </a:xfrm>
+            <a:prstGeom prst="line">
+              <a:avLst/>
+            </a:prstGeom>
+            <a:ln w="12700">
+              <a:solidFill>
+                <a:srgbClr val="BCBCBC">
+                  <a:alpha val="29804"/>
+                </a:srgbClr>
+              </a:solidFill>
+              <a:prstDash val="sysDot"/>
+            </a:ln>
+          </p:spPr>
+          <p:style>
+            <a:lnRef idx="1">
+              <a:schemeClr val="accent1"/>
+            </a:lnRef>
+            <a:fillRef idx="0">
+              <a:schemeClr val="accent1"/>
+            </a:fillRef>
+            <a:effectRef idx="0">
+              <a:schemeClr val="accent1"/>
+            </a:effectRef>
+            <a:fontRef idx="minor">
+              <a:schemeClr val="tx1"/>
+            </a:fontRef>
+          </p:style>
+        </p:cxnSp>
+      </p:grpSp>
+      <p:sp>
+        <p:nvSpPr>
+          <p:cNvPr id="2" name="Titel 1">
+            <a:extLst>
+              <a:ext uri="{FF2B5EF4-FFF2-40B4-BE49-F238E27FC236}">
+                <a16:creationId xmlns:a16="http://schemas.microsoft.com/office/drawing/2014/main" id="{5F9485F8-E1A9-EF65-3008-9E8D0C36C432}"/>
+              </a:ext>
+            </a:extLst>
+          </p:cNvPr>
+          <p:cNvSpPr>
+            <a:spLocks noGrp="1"/>
+          </p:cNvSpPr>
+          <p:nvPr>
+            <p:ph type="title"/>
+          </p:nvPr>
+        </p:nvSpPr>
+        <p:spPr>
+          <a:xfrm>
+            <a:off x="691079" y="725951"/>
+            <a:ext cx="4927425" cy="1938525"/>
+          </a:xfrm>
+        </p:spPr>
+        <p:txBody>
+          <a:bodyPr>
+            <a:normAutofit/>
+          </a:bodyPr>
+          <a:lstStyle/>
+          <a:p>
+            <a:r>
+              <a:rPr lang="de-DE" dirty="0" err="1"/>
+              <a:t>How</a:t>
+            </a:r>
+            <a:r>
+              <a:rPr lang="de-DE" dirty="0"/>
+              <a:t> </a:t>
+            </a:r>
+            <a:r>
+              <a:rPr lang="de-DE" dirty="0" err="1"/>
+              <a:t>to</a:t>
+            </a:r>
+            <a:r>
+              <a:rPr lang="de-DE" dirty="0"/>
+              <a:t> </a:t>
+            </a:r>
+            <a:r>
+              <a:rPr lang="de-DE" dirty="0" err="1"/>
+              <a:t>start</a:t>
+            </a:r>
+            <a:endParaRPr lang="de-CH" dirty="0"/>
+          </a:p>
+        </p:txBody>
+      </p:sp>
+      <p:sp>
+        <p:nvSpPr>
+          <p:cNvPr id="44" name="Right Triangle 43">
+            <a:extLst>
+              <a:ext uri="{FF2B5EF4-FFF2-40B4-BE49-F238E27FC236}">
+                <a16:creationId xmlns:a16="http://schemas.microsoft.com/office/drawing/2014/main" id="{BEAC0A80-07D3-49CB-87C3-BC34F219DFF7}"/>
+              </a:ext>
+              <a:ext uri="{C183D7F6-B498-43B3-948B-1728B52AA6E4}">
+                <adec:decorative xmlns:adec="http://schemas.microsoft.com/office/drawing/2017/decorative" val="1"/>
+              </a:ext>
+            </a:extLst>
+          </p:cNvPr>
+          <p:cNvSpPr>
+            <a:spLocks noGrp="1" noRot="1" noChangeAspect="1" noMove="1" noResize="1" noEditPoints="1" noAdjustHandles="1" noChangeArrowheads="1" noChangeShapeType="1" noTextEdit="1"/>
+          </p:cNvSpPr>
+          <p:nvPr>
+            <p:extLst>
+              <p:ext uri="{386F3935-93C4-4BCD-93E2-E3B085C9AB24}">
+                <p16:designElem xmlns:p16="http://schemas.microsoft.com/office/powerpoint/2015/main" val="1"/>
+              </p:ext>
+            </p:extLst>
+          </p:nvPr>
+        </p:nvSpPr>
+        <p:spPr>
+          <a:xfrm rot="13500000">
+            <a:off x="-279641" y="2064057"/>
+            <a:ext cx="568289" cy="568289"/>
+          </a:xfrm>
+          <a:prstGeom prst="rtTriangle">
+            <a:avLst/>
+          </a:prstGeom>
+          <a:solidFill>
+            <a:schemeClr val="accent1">
+              <a:alpha val="50000"/>
+            </a:schemeClr>
+          </a:solidFill>
+          <a:ln>
+            <a:noFill/>
+          </a:ln>
+        </p:spPr>
+        <p:style>
+          <a:lnRef idx="2">
+            <a:schemeClr val="accent1">
+              <a:shade val="50000"/>
+            </a:schemeClr>
+          </a:lnRef>
+          <a:fillRef idx="1">
+            <a:schemeClr val="accent1"/>
+          </a:fillRef>
+          <a:effectRef idx="0">
+            <a:schemeClr val="accent1"/>
+          </a:effectRef>
+          <a:fontRef idx="minor">
+            <a:schemeClr val="lt1"/>
+          </a:fontRef>
+        </p:style>
+        <p:txBody>
+          <a:bodyPr rtlCol="0" anchor="ctr"/>
+          <a:lstStyle/>
+          <a:p>
+            <a:pPr algn="ctr"/>
+            <a:endParaRPr lang="en-US">
+              <a:solidFill>
+                <a:schemeClr val="tx1"/>
+              </a:solidFill>
+            </a:endParaRPr>
+          </a:p>
+        </p:txBody>
+      </p:sp>
+      <p:sp>
+        <p:nvSpPr>
+          <p:cNvPr id="3" name="Inhaltsplatzhalter 2">
+            <a:extLst>
+              <a:ext uri="{FF2B5EF4-FFF2-40B4-BE49-F238E27FC236}">
+                <a16:creationId xmlns:a16="http://schemas.microsoft.com/office/drawing/2014/main" id="{1734646B-498B-3531-5202-4A03A439E492}"/>
+              </a:ext>
+            </a:extLst>
+          </p:cNvPr>
+          <p:cNvSpPr>
+            <a:spLocks noGrp="1"/>
+          </p:cNvSpPr>
+          <p:nvPr>
+            <p:ph idx="1"/>
+          </p:nvPr>
+        </p:nvSpPr>
+        <p:spPr>
+          <a:xfrm>
+            <a:off x="691079" y="2886116"/>
+            <a:ext cx="4927425" cy="3245931"/>
+          </a:xfrm>
+        </p:spPr>
+        <p:txBody>
+          <a:bodyPr>
+            <a:normAutofit/>
+          </a:bodyPr>
+          <a:lstStyle/>
+          <a:p>
+            <a:r>
+              <a:rPr lang="en-US" dirty="0"/>
+              <a:t>Cold for a short time</a:t>
+            </a:r>
+            <a:endParaRPr lang="de-CH" dirty="0"/>
+          </a:p>
+          <a:p>
+            <a:r>
+              <a:rPr lang="de-CH" dirty="0"/>
+              <a:t>Start warm</a:t>
+            </a:r>
+          </a:p>
+          <a:p>
+            <a:pPr marL="0" indent="0">
+              <a:buNone/>
+            </a:pPr>
+            <a:endParaRPr lang="de-CH" dirty="0"/>
+          </a:p>
+        </p:txBody>
+      </p:sp>
+      <p:pic>
+        <p:nvPicPr>
+          <p:cNvPr id="5" name="Picture 4" descr="Close-up of hopscotch on a sidewalk">
+            <a:extLst>
+              <a:ext uri="{FF2B5EF4-FFF2-40B4-BE49-F238E27FC236}">
+                <a16:creationId xmlns:a16="http://schemas.microsoft.com/office/drawing/2014/main" id="{BC90019A-90B0-B5DA-72AC-E1A93069A8AB}"/>
+              </a:ext>
+            </a:extLst>
+          </p:cNvPr>
+          <p:cNvPicPr>
+            <a:picLocks noChangeAspect="1"/>
+          </p:cNvPicPr>
+          <p:nvPr/>
+        </p:nvPicPr>
+        <p:blipFill rotWithShape="1">
+          <a:blip r:embed="rId2"/>
+          <a:srcRect l="22026" r="20590" b="-1"/>
+          <a:stretch/>
+        </p:blipFill>
+        <p:spPr>
+          <a:xfrm>
+            <a:off x="6309311" y="1"/>
+            <a:ext cx="5899302" cy="6862230"/>
+          </a:xfrm>
+          <a:custGeom>
+            <a:avLst/>
+            <a:gdLst/>
+            <a:ahLst/>
+            <a:cxnLst/>
+            <a:rect l="l" t="t" r="r" b="b"/>
+            <a:pathLst>
+              <a:path w="5923149" h="6857997">
+                <a:moveTo>
+                  <a:pt x="320173" y="0"/>
+                </a:moveTo>
+                <a:lnTo>
+                  <a:pt x="5923149" y="0"/>
+                </a:lnTo>
+                <a:lnTo>
+                  <a:pt x="5923149" y="6857997"/>
+                </a:lnTo>
+                <a:lnTo>
+                  <a:pt x="1111789" y="6857997"/>
+                </a:lnTo>
+                <a:lnTo>
+                  <a:pt x="1106562" y="6546368"/>
+                </a:lnTo>
+                <a:cubicBezTo>
+                  <a:pt x="1000021" y="3425651"/>
+                  <a:pt x="-688878" y="3321843"/>
+                  <a:pt x="320173" y="0"/>
+                </a:cubicBezTo>
+                <a:close/>
+              </a:path>
+            </a:pathLst>
+          </a:custGeom>
+        </p:spPr>
+      </p:pic>
+    </p:spTree>
+    <p:extLst>
+      <p:ext uri="{BB962C8B-B14F-4D97-AF65-F5344CB8AC3E}">
+        <p14:creationId xmlns:p14="http://schemas.microsoft.com/office/powerpoint/2010/main" val="2484698599"/>
+      </p:ext>
+    </p:extLst>
+  </p:cSld>
+  <p:clrMapOvr>
+    <a:masterClrMapping/>
+  </p:clrMapOvr>
+</p:sld>
+</file>
+
+<file path=ppt/slides/slide4.xml><?xml version="1.0" encoding="utf-8"?>
+<p:sld xmlns:a="http://schemas.openxmlformats.org/drawingml/2006/main" xmlns:r="http://schemas.openxmlformats.org/officeDocument/2006/relationships" xmlns:p="http://schemas.openxmlformats.org/presentationml/2006/main">
+  <p:cSld>
+    <p:spTree>
+      <p:nvGrpSpPr>
+        <p:cNvPr id="1" name=""/>
+        <p:cNvGrpSpPr/>
+        <p:nvPr/>
+      </p:nvGrpSpPr>
+      <p:grpSpPr>
+        <a:xfrm>
+          <a:off x="0" y="0"/>
+          <a:ext cx="0" cy="0"/>
+          <a:chOff x="0" y="0"/>
+          <a:chExt cx="0" cy="0"/>
+        </a:xfrm>
+      </p:grpSpPr>
+      <p:sp>
+        <p:nvSpPr>
+          <p:cNvPr id="2" name="Titel 1">
+            <a:extLst>
+              <a:ext uri="{FF2B5EF4-FFF2-40B4-BE49-F238E27FC236}">
+                <a16:creationId xmlns:a16="http://schemas.microsoft.com/office/drawing/2014/main" id="{D3E1EDA6-AA18-B9CB-DDE3-E5D6D90EED2E}"/>
+              </a:ext>
+            </a:extLst>
+          </p:cNvPr>
+          <p:cNvSpPr>
+            <a:spLocks noGrp="1"/>
+          </p:cNvSpPr>
+          <p:nvPr>
+            <p:ph type="title"/>
+          </p:nvPr>
+        </p:nvSpPr>
+        <p:spPr/>
+        <p:txBody>
+          <a:bodyPr/>
+          <a:lstStyle/>
+          <a:p>
+            <a:r>
+              <a:rPr lang="en-GB" dirty="0"/>
+              <a:t>Personal Experience</a:t>
+            </a:r>
+            <a:endParaRPr lang="en-CH" dirty="0"/>
+          </a:p>
+        </p:txBody>
+      </p:sp>
+      <p:sp>
+        <p:nvSpPr>
+          <p:cNvPr id="3" name="Inhaltsplatzhalter 2">
+            <a:extLst>
+              <a:ext uri="{FF2B5EF4-FFF2-40B4-BE49-F238E27FC236}">
+                <a16:creationId xmlns:a16="http://schemas.microsoft.com/office/drawing/2014/main" id="{19E64DCC-3AB7-CE18-8AB8-7D26DC6CD1B3}"/>
+              </a:ext>
+            </a:extLst>
+          </p:cNvPr>
+          <p:cNvSpPr>
+            <a:spLocks noGrp="1"/>
+          </p:cNvSpPr>
+          <p:nvPr>
+            <p:ph idx="1"/>
+          </p:nvPr>
+        </p:nvSpPr>
+        <p:spPr/>
+        <p:txBody>
+          <a:bodyPr/>
+          <a:lstStyle/>
+          <a:p>
+            <a:r>
+              <a:rPr lang="en-GB"/>
+              <a:t>2023</a:t>
+            </a:r>
+            <a:endParaRPr lang="en-CH" dirty="0"/>
+          </a:p>
+        </p:txBody>
+      </p:sp>
+    </p:spTree>
+    <p:extLst>
+      <p:ext uri="{BB962C8B-B14F-4D97-AF65-F5344CB8AC3E}">
+        <p14:creationId xmlns:p14="http://schemas.microsoft.com/office/powerpoint/2010/main" val="3548352914"/>
       </p:ext>
     </p:extLst>
   </p:cSld>
